--- a/slides/online_4dx1.5h/day1-montecarlo.pptx
+++ b/slides/online_4dx1.5h/day1-montecarlo.pptx
@@ -5,35 +5,27 @@
     <p:sldMasterId id="2147483648" r:id="rId4"/>
   </p:sldMasterIdLst>
   <p:notesMasterIdLst>
-    <p:notesMasterId r:id="rId31"/>
+    <p:notesMasterId r:id="rId23"/>
   </p:notesMasterIdLst>
   <p:sldIdLst>
     <p:sldId id="284" r:id="rId5"/>
-    <p:sldId id="390" r:id="rId6"/>
-    <p:sldId id="391" r:id="rId7"/>
-    <p:sldId id="392" r:id="rId8"/>
-    <p:sldId id="365" r:id="rId9"/>
-    <p:sldId id="367" r:id="rId10"/>
-    <p:sldId id="372" r:id="rId11"/>
-    <p:sldId id="373" r:id="rId12"/>
-    <p:sldId id="375" r:id="rId13"/>
-    <p:sldId id="376" r:id="rId14"/>
-    <p:sldId id="377" r:id="rId15"/>
-    <p:sldId id="378" r:id="rId16"/>
-    <p:sldId id="379" r:id="rId17"/>
-    <p:sldId id="380" r:id="rId18"/>
-    <p:sldId id="381" r:id="rId19"/>
-    <p:sldId id="382" r:id="rId20"/>
-    <p:sldId id="384" r:id="rId21"/>
-    <p:sldId id="383" r:id="rId22"/>
-    <p:sldId id="369" r:id="rId23"/>
-    <p:sldId id="385" r:id="rId24"/>
-    <p:sldId id="386" r:id="rId25"/>
-    <p:sldId id="387" r:id="rId26"/>
-    <p:sldId id="389" r:id="rId27"/>
-    <p:sldId id="388" r:id="rId28"/>
-    <p:sldId id="393" r:id="rId29"/>
-    <p:sldId id="394" r:id="rId30"/>
+    <p:sldId id="367" r:id="rId6"/>
+    <p:sldId id="372" r:id="rId7"/>
+    <p:sldId id="373" r:id="rId8"/>
+    <p:sldId id="375" r:id="rId9"/>
+    <p:sldId id="376" r:id="rId10"/>
+    <p:sldId id="377" r:id="rId11"/>
+    <p:sldId id="378" r:id="rId12"/>
+    <p:sldId id="379" r:id="rId13"/>
+    <p:sldId id="380" r:id="rId14"/>
+    <p:sldId id="381" r:id="rId15"/>
+    <p:sldId id="382" r:id="rId16"/>
+    <p:sldId id="384" r:id="rId17"/>
+    <p:sldId id="383" r:id="rId18"/>
+    <p:sldId id="369" r:id="rId19"/>
+    <p:sldId id="387" r:id="rId20"/>
+    <p:sldId id="385" r:id="rId21"/>
+    <p:sldId id="386" r:id="rId22"/>
   </p:sldIdLst>
   <p:sldSz cx="12192000" cy="6858000"/>
   <p:notesSz cx="6858000" cy="9144000"/>
@@ -614,11 +606,7 @@
             </a:br>
             <a:r>
               <a:rPr lang="ru-RU" dirty="0" smtClean="0"/>
-              <a:t>Начнем </a:t>
-            </a:r>
-            <a:r>
-              <a:rPr lang="ru-RU" dirty="0" smtClean="0"/>
-              <a:t>с разбора</a:t>
+              <a:t>Начнем с разбора</a:t>
             </a:r>
             <a:r>
               <a:rPr lang="ru-RU" baseline="0" dirty="0" smtClean="0"/>
@@ -688,11 +676,7 @@
             </a:br>
             <a:r>
               <a:rPr lang="ru-RU" baseline="0" dirty="0" smtClean="0"/>
-              <a:t>В конце вы получите заготовку кода для реализации разобранного на лекции алгоритма. Это и будет вашим следующим домашним заданием</a:t>
-            </a:r>
-            <a:r>
-              <a:rPr lang="ru-RU" baseline="0" dirty="0" smtClean="0"/>
-              <a:t>!</a:t>
+              <a:t>В конце вы получите заготовку кода для реализации разобранного на лекции алгоритма. Это и будет вашим следующим домашним заданием!</a:t>
             </a:r>
             <a:endParaRPr lang="en-US" baseline="0" dirty="0" smtClean="0"/>
           </a:p>
@@ -854,238 +838,6 @@
     <p:extLst>
       <p:ext uri="{BB962C8B-B14F-4D97-AF65-F5344CB8AC3E}">
         <p14:creationId xmlns:p14="http://schemas.microsoft.com/office/powerpoint/2010/main" val="1334609818"/>
-      </p:ext>
-    </p:extLst>
-  </p:cSld>
-  <p:clrMapOvr>
-    <a:masterClrMapping/>
-  </p:clrMapOvr>
-</p:notes>
-</file>
-
-<file path=ppt/notesSlides/notesSlide10.xml><?xml version="1.0" encoding="utf-8"?>
-<p:notes xmlns:a="http://schemas.openxmlformats.org/drawingml/2006/main" xmlns:r="http://schemas.openxmlformats.org/officeDocument/2006/relationships" xmlns:p="http://schemas.openxmlformats.org/presentationml/2006/main">
-  <p:cSld>
-    <p:spTree>
-      <p:nvGrpSpPr>
-        <p:cNvPr id="1" name=""/>
-        <p:cNvGrpSpPr/>
-        <p:nvPr/>
-      </p:nvGrpSpPr>
-      <p:grpSpPr>
-        <a:xfrm>
-          <a:off x="0" y="0"/>
-          <a:ext cx="0" cy="0"/>
-          <a:chOff x="0" y="0"/>
-          <a:chExt cx="0" cy="0"/>
-        </a:xfrm>
-      </p:grpSpPr>
-      <p:sp>
-        <p:nvSpPr>
-          <p:cNvPr id="2" name="Образ слайда 1"/>
-          <p:cNvSpPr>
-            <a:spLocks noGrp="1" noRot="1" noChangeAspect="1"/>
-          </p:cNvSpPr>
-          <p:nvPr>
-            <p:ph type="sldImg"/>
-          </p:nvPr>
-        </p:nvSpPr>
-        <p:spPr>
-          <a:xfrm>
-            <a:off x="138113" y="766763"/>
-            <a:ext cx="6823075" cy="3838575"/>
-          </a:xfrm>
-        </p:spPr>
-      </p:sp>
-      <p:sp>
-        <p:nvSpPr>
-          <p:cNvPr id="3" name="Заметки 2"/>
-          <p:cNvSpPr>
-            <a:spLocks noGrp="1"/>
-          </p:cNvSpPr>
-          <p:nvPr>
-            <p:ph type="body" idx="1"/>
-          </p:nvPr>
-        </p:nvSpPr>
-        <p:spPr/>
-        <p:txBody>
-          <a:bodyPr/>
-          <a:lstStyle/>
-          <a:p>
-            <a:pPr marL="0" marR="0" lvl="0" indent="0" algn="l" defTabSz="914400" rtl="0" eaLnBrk="1" fontAlgn="base" latinLnBrk="0" hangingPunct="1">
-              <a:lnSpc>
-                <a:spcPct val="100000"/>
-              </a:lnSpc>
-              <a:spcBef>
-                <a:spcPct val="30000"/>
-              </a:spcBef>
-              <a:spcAft>
-                <a:spcPct val="0"/>
-              </a:spcAft>
-              <a:buClrTx/>
-              <a:buSzTx/>
-              <a:buFontTx/>
-              <a:buNone/>
-              <a:tabLst/>
-              <a:defRPr/>
-            </a:pPr>
-            <a:r>
-              <a:rPr lang="ru-RU" dirty="0" smtClean="0"/>
-              <a:t>Сколько раз повторять п3?</a:t>
-            </a:r>
-          </a:p>
-          <a:p>
-            <a:endParaRPr lang="ru-RU" dirty="0" smtClean="0"/>
-          </a:p>
-          <a:p>
-            <a:r>
-              <a:rPr lang="ru-RU" dirty="0" smtClean="0"/>
-              <a:t>Какой значение выбрать для </a:t>
-            </a:r>
-            <a:r>
-              <a:rPr lang="en-US" dirty="0" smtClean="0"/>
-              <a:t>D</a:t>
-            </a:r>
-            <a:r>
-              <a:rPr lang="ru-RU" dirty="0" smtClean="0"/>
-              <a:t>?</a:t>
-            </a:r>
-            <a:endParaRPr lang="ru-RU" dirty="0"/>
-          </a:p>
-        </p:txBody>
-      </p:sp>
-      <p:sp>
-        <p:nvSpPr>
-          <p:cNvPr id="4" name="Номер слайда 3"/>
-          <p:cNvSpPr>
-            <a:spLocks noGrp="1"/>
-          </p:cNvSpPr>
-          <p:nvPr>
-            <p:ph type="sldNum" sz="quarter" idx="10"/>
-          </p:nvPr>
-        </p:nvSpPr>
-        <p:spPr/>
-        <p:txBody>
-          <a:bodyPr/>
-          <a:lstStyle/>
-          <a:p>
-            <a:fld id="{A9A0EA98-5831-4853-B862-C702E6EB345C}" type="slidenum">
-              <a:rPr lang="en-US" smtClean="0"/>
-              <a:t>19</a:t>
-            </a:fld>
-            <a:endParaRPr lang="en-US"/>
-          </a:p>
-        </p:txBody>
-      </p:sp>
-    </p:spTree>
-    <p:extLst>
-      <p:ext uri="{BB962C8B-B14F-4D97-AF65-F5344CB8AC3E}">
-        <p14:creationId xmlns:p14="http://schemas.microsoft.com/office/powerpoint/2010/main" val="1395180677"/>
-      </p:ext>
-    </p:extLst>
-  </p:cSld>
-  <p:clrMapOvr>
-    <a:masterClrMapping/>
-  </p:clrMapOvr>
-</p:notes>
-</file>
-
-<file path=ppt/notesSlides/notesSlide11.xml><?xml version="1.0" encoding="utf-8"?>
-<p:notes xmlns:a="http://schemas.openxmlformats.org/drawingml/2006/main" xmlns:r="http://schemas.openxmlformats.org/officeDocument/2006/relationships" xmlns:p="http://schemas.openxmlformats.org/presentationml/2006/main">
-  <p:cSld>
-    <p:spTree>
-      <p:nvGrpSpPr>
-        <p:cNvPr id="1" name=""/>
-        <p:cNvGrpSpPr/>
-        <p:nvPr/>
-      </p:nvGrpSpPr>
-      <p:grpSpPr>
-        <a:xfrm>
-          <a:off x="0" y="0"/>
-          <a:ext cx="0" cy="0"/>
-          <a:chOff x="0" y="0"/>
-          <a:chExt cx="0" cy="0"/>
-        </a:xfrm>
-      </p:grpSpPr>
-      <p:sp>
-        <p:nvSpPr>
-          <p:cNvPr id="2" name="Образ слайда 1"/>
-          <p:cNvSpPr>
-            <a:spLocks noGrp="1" noRot="1" noChangeAspect="1"/>
-          </p:cNvSpPr>
-          <p:nvPr>
-            <p:ph type="sldImg"/>
-          </p:nvPr>
-        </p:nvSpPr>
-        <p:spPr>
-          <a:xfrm>
-            <a:off x="138113" y="766763"/>
-            <a:ext cx="6823075" cy="3838575"/>
-          </a:xfrm>
-        </p:spPr>
-      </p:sp>
-      <p:sp>
-        <p:nvSpPr>
-          <p:cNvPr id="3" name="Заметки 2"/>
-          <p:cNvSpPr>
-            <a:spLocks noGrp="1"/>
-          </p:cNvSpPr>
-          <p:nvPr>
-            <p:ph type="body" idx="1"/>
-          </p:nvPr>
-        </p:nvSpPr>
-        <p:spPr/>
-        <p:txBody>
-          <a:bodyPr/>
-          <a:lstStyle/>
-          <a:p>
-            <a:r>
-              <a:rPr lang="ru-RU" dirty="0" smtClean="0"/>
-              <a:t>После этого можно сделать </a:t>
-            </a:r>
-            <a:r>
-              <a:rPr lang="en-US" dirty="0" smtClean="0"/>
-              <a:t>Demo</a:t>
-            </a:r>
-            <a:r>
-              <a:rPr lang="ru-RU" baseline="0" dirty="0" smtClean="0"/>
-              <a:t> того, что получится </a:t>
-            </a:r>
-            <a:r>
-              <a:rPr lang="ru-RU" baseline="0" smtClean="0"/>
-              <a:t>в результате</a:t>
-            </a:r>
-            <a:endParaRPr lang="ru-RU"/>
-          </a:p>
-        </p:txBody>
-      </p:sp>
-      <p:sp>
-        <p:nvSpPr>
-          <p:cNvPr id="4" name="Номер слайда 3"/>
-          <p:cNvSpPr>
-            <a:spLocks noGrp="1"/>
-          </p:cNvSpPr>
-          <p:nvPr>
-            <p:ph type="sldNum" sz="quarter" idx="10"/>
-          </p:nvPr>
-        </p:nvSpPr>
-        <p:spPr/>
-        <p:txBody>
-          <a:bodyPr/>
-          <a:lstStyle/>
-          <a:p>
-            <a:fld id="{A9A0EA98-5831-4853-B862-C702E6EB345C}" type="slidenum">
-              <a:rPr lang="en-US" smtClean="0"/>
-              <a:t>21</a:t>
-            </a:fld>
-            <a:endParaRPr lang="en-US"/>
-          </a:p>
-        </p:txBody>
-      </p:sp>
-    </p:spTree>
-    <p:extLst>
-      <p:ext uri="{BB962C8B-B14F-4D97-AF65-F5344CB8AC3E}">
-        <p14:creationId xmlns:p14="http://schemas.microsoft.com/office/powerpoint/2010/main" val="2276772588"/>
       </p:ext>
     </p:extLst>
   </p:cSld>
@@ -1144,7 +896,7 @@
           <a:bodyPr/>
           <a:lstStyle/>
           <a:p>
-            <a:endParaRPr lang="ru-RU" dirty="0"/>
+            <a:endParaRPr lang="ru-RU" baseline="0" dirty="0" smtClean="0"/>
           </a:p>
         </p:txBody>
       </p:sp>
@@ -1165,7 +917,7 @@
           <a:p>
             <a:fld id="{A9A0EA98-5831-4853-B862-C702E6EB345C}" type="slidenum">
               <a:rPr lang="en-US" smtClean="0"/>
-              <a:t>3</a:t>
+              <a:t>2</a:t>
             </a:fld>
             <a:endParaRPr lang="en-US"/>
           </a:p>
@@ -1174,7 +926,7 @@
     </p:spTree>
     <p:extLst>
       <p:ext uri="{BB962C8B-B14F-4D97-AF65-F5344CB8AC3E}">
-        <p14:creationId xmlns:p14="http://schemas.microsoft.com/office/powerpoint/2010/main" val="2031560571"/>
+        <p14:creationId xmlns:p14="http://schemas.microsoft.com/office/powerpoint/2010/main" val="639881053"/>
       </p:ext>
     </p:extLst>
   </p:cSld>
@@ -1233,57 +985,13 @@
           <a:bodyPr/>
           <a:lstStyle/>
           <a:p>
-            <a:r>
-              <a:rPr lang="ru-RU" dirty="0" smtClean="0"/>
-              <a:t>Тут открываем </a:t>
-            </a:r>
-            <a:r>
-              <a:rPr lang="en-US" dirty="0" err="1" smtClean="0"/>
-              <a:t>CodinGame</a:t>
-            </a:r>
-            <a:r>
-              <a:rPr lang="en-US" dirty="0" smtClean="0"/>
-              <a:t> </a:t>
-            </a:r>
-            <a:r>
-              <a:rPr lang="ru-RU" dirty="0" smtClean="0"/>
-              <a:t>и</a:t>
-            </a:r>
+            <a:pPr marL="0" indent="0">
+              <a:buNone/>
+            </a:pPr>
             <a:r>
               <a:rPr lang="ru-RU" baseline="0" dirty="0" smtClean="0"/>
-              <a:t> смотрим на решение тестового:</a:t>
-            </a:r>
-            <a:br>
-              <a:rPr lang="ru-RU" baseline="0" dirty="0" smtClean="0"/>
-            </a:br>
-            <a:r>
-              <a:rPr lang="ru-RU" baseline="0" dirty="0" smtClean="0"/>
-              <a:t>Сначала на версию, в на которой остановились в прошлом видео. Потом добавляем торможение. Смотрим как ведет себя машинка, понимаем, что можно поворачивать к следующему </a:t>
-            </a:r>
-            <a:r>
-              <a:rPr lang="ru-RU" baseline="0" dirty="0" err="1" smtClean="0"/>
-              <a:t>чекпоинту</a:t>
-            </a:r>
-            <a:r>
-              <a:rPr lang="ru-RU" baseline="0" dirty="0" smtClean="0"/>
-              <a:t>, когда летим по инерции.</a:t>
-            </a:r>
-          </a:p>
-          <a:p>
-            <a:r>
-              <a:rPr lang="ru-RU" baseline="0" dirty="0" smtClean="0"/>
-              <a:t>Реализуем это. Наслаждаемся красивым полётом. Нажимаем </a:t>
-            </a:r>
-            <a:r>
-              <a:rPr lang="en-US" baseline="0" dirty="0" smtClean="0"/>
-              <a:t>SUBMIT</a:t>
-            </a:r>
-            <a:r>
-              <a:rPr lang="ru-RU" baseline="0" dirty="0" smtClean="0"/>
-              <a:t> и видим, сколько набрали очков.</a:t>
-            </a:r>
-          </a:p>
-          <a:p>
+              <a:t>Смотрим на поведение машинки на тестах</a:t>
+            </a:r>
             <a:endParaRPr lang="ru-RU" dirty="0"/>
           </a:p>
         </p:txBody>
@@ -1305,7 +1013,7 @@
           <a:p>
             <a:fld id="{A9A0EA98-5831-4853-B862-C702E6EB345C}" type="slidenum">
               <a:rPr lang="en-US" smtClean="0"/>
-              <a:t>5</a:t>
+              <a:t>3</a:t>
             </a:fld>
             <a:endParaRPr lang="en-US"/>
           </a:p>
@@ -1314,7 +1022,7 @@
     </p:spTree>
     <p:extLst>
       <p:ext uri="{BB962C8B-B14F-4D97-AF65-F5344CB8AC3E}">
-        <p14:creationId xmlns:p14="http://schemas.microsoft.com/office/powerpoint/2010/main" val="809548148"/>
+        <p14:creationId xmlns:p14="http://schemas.microsoft.com/office/powerpoint/2010/main" val="4000151646"/>
       </p:ext>
     </p:extLst>
   </p:cSld>
@@ -1373,7 +1081,93 @@
           <a:bodyPr/>
           <a:lstStyle/>
           <a:p>
+            <a:pPr marL="228600" indent="-228600">
+              <a:buAutoNum type="arabicPeriod"/>
+            </a:pPr>
+            <a:r>
+              <a:rPr lang="ru-RU" dirty="0" smtClean="0"/>
+              <a:t>Какая</a:t>
+            </a:r>
+            <a:r>
+              <a:rPr lang="ru-RU" baseline="0" dirty="0" smtClean="0"/>
+              <a:t> траектория лучше?</a:t>
+            </a:r>
+          </a:p>
+          <a:p>
+            <a:pPr marL="228600" indent="-228600">
+              <a:buAutoNum type="arabicPeriod"/>
+            </a:pPr>
+            <a:r>
+              <a:rPr lang="ru-RU" baseline="0" dirty="0" smtClean="0"/>
+              <a:t>Не понятно, пока не </a:t>
+            </a:r>
+            <a:r>
+              <a:rPr lang="ru-RU" baseline="0" dirty="0" err="1" smtClean="0"/>
+              <a:t>просимулируем</a:t>
+            </a:r>
+            <a:r>
+              <a:rPr lang="ru-RU" baseline="0" dirty="0" smtClean="0"/>
+              <a:t>.</a:t>
+            </a:r>
+          </a:p>
+          <a:p>
+            <a:pPr marL="228600" indent="-228600">
+              <a:buAutoNum type="arabicPeriod"/>
+            </a:pPr>
+            <a:r>
+              <a:rPr lang="ru-RU" baseline="0" dirty="0" smtClean="0"/>
+              <a:t>Можно брать разные траектории ( = последовательности команд для машинки), некоторой длины, симулировать их и выбирать самую </a:t>
+            </a:r>
+            <a:r>
+              <a:rPr lang="ru-RU" baseline="0" dirty="0" err="1" smtClean="0"/>
+              <a:t>лучшу</a:t>
+            </a:r>
+            <a:r>
+              <a:rPr lang="ru-RU" baseline="0" dirty="0" smtClean="0"/>
+              <a:t>.</a:t>
+            </a:r>
+          </a:p>
+          <a:p>
+            <a:pPr marL="228600" indent="-228600">
+              <a:buAutoNum type="arabicPeriod"/>
+            </a:pPr>
             <a:endParaRPr lang="ru-RU" baseline="0" dirty="0" smtClean="0"/>
+          </a:p>
+          <a:p>
+            <a:pPr marL="0" indent="0">
+              <a:buNone/>
+            </a:pPr>
+            <a:r>
+              <a:rPr lang="ru-RU" baseline="0" dirty="0" smtClean="0"/>
+              <a:t>Остались вопросы:</a:t>
+            </a:r>
+          </a:p>
+          <a:p>
+            <a:pPr marL="228600" indent="-228600">
+              <a:buAutoNum type="arabicPeriod"/>
+            </a:pPr>
+            <a:r>
+              <a:rPr lang="ru-RU" baseline="0" dirty="0" smtClean="0"/>
+              <a:t>Где брать траектории, которые стоит </a:t>
+            </a:r>
+            <a:r>
+              <a:rPr lang="ru-RU" baseline="0" dirty="0" err="1" smtClean="0"/>
+              <a:t>посимулировать</a:t>
+            </a:r>
+            <a:r>
+              <a:rPr lang="ru-RU" baseline="0" dirty="0" smtClean="0"/>
+              <a:t>?</a:t>
+            </a:r>
+          </a:p>
+          <a:p>
+            <a:pPr marL="228600" indent="-228600">
+              <a:buAutoNum type="arabicPeriod"/>
+            </a:pPr>
+            <a:r>
+              <a:rPr lang="ru-RU" baseline="0" dirty="0" smtClean="0"/>
+              <a:t>Как оценивать, какая траектория лучше?</a:t>
+            </a:r>
+            <a:endParaRPr lang="ru-RU" dirty="0"/>
           </a:p>
         </p:txBody>
       </p:sp>
@@ -1394,7 +1188,7 @@
           <a:p>
             <a:fld id="{A9A0EA98-5831-4853-B862-C702E6EB345C}" type="slidenum">
               <a:rPr lang="en-US" smtClean="0"/>
-              <a:t>6</a:t>
+              <a:t>4</a:t>
             </a:fld>
             <a:endParaRPr lang="en-US"/>
           </a:p>
@@ -1403,7 +1197,7 @@
     </p:spTree>
     <p:extLst>
       <p:ext uri="{BB962C8B-B14F-4D97-AF65-F5344CB8AC3E}">
-        <p14:creationId xmlns:p14="http://schemas.microsoft.com/office/powerpoint/2010/main" val="639881053"/>
+        <p14:creationId xmlns:p14="http://schemas.microsoft.com/office/powerpoint/2010/main" val="2284313636"/>
       </p:ext>
     </p:extLst>
   </p:cSld>
@@ -1462,13 +1256,6 @@
           <a:bodyPr/>
           <a:lstStyle/>
           <a:p>
-            <a:pPr marL="0" indent="0">
-              <a:buNone/>
-            </a:pPr>
-            <a:r>
-              <a:rPr lang="ru-RU" baseline="0" dirty="0" smtClean="0"/>
-              <a:t>Смотрим на поведение машинки на тестах</a:t>
-            </a:r>
             <a:endParaRPr lang="ru-RU" dirty="0"/>
           </a:p>
         </p:txBody>
@@ -1490,7 +1277,7 @@
           <a:p>
             <a:fld id="{A9A0EA98-5831-4853-B862-C702E6EB345C}" type="slidenum">
               <a:rPr lang="en-US" smtClean="0"/>
-              <a:t>7</a:t>
+              <a:t>5</a:t>
             </a:fld>
             <a:endParaRPr lang="en-US"/>
           </a:p>
@@ -1499,7 +1286,7 @@
     </p:spTree>
     <p:extLst>
       <p:ext uri="{BB962C8B-B14F-4D97-AF65-F5344CB8AC3E}">
-        <p14:creationId xmlns:p14="http://schemas.microsoft.com/office/powerpoint/2010/main" val="4000151646"/>
+        <p14:creationId xmlns:p14="http://schemas.microsoft.com/office/powerpoint/2010/main" val="4038893518"/>
       </p:ext>
     </p:extLst>
   </p:cSld>
@@ -1558,92 +1345,6 @@
           <a:bodyPr/>
           <a:lstStyle/>
           <a:p>
-            <a:pPr marL="228600" indent="-228600">
-              <a:buAutoNum type="arabicPeriod"/>
-            </a:pPr>
-            <a:r>
-              <a:rPr lang="ru-RU" dirty="0" smtClean="0"/>
-              <a:t>Какая</a:t>
-            </a:r>
-            <a:r>
-              <a:rPr lang="ru-RU" baseline="0" dirty="0" smtClean="0"/>
-              <a:t> траектория лучше?</a:t>
-            </a:r>
-          </a:p>
-          <a:p>
-            <a:pPr marL="228600" indent="-228600">
-              <a:buAutoNum type="arabicPeriod"/>
-            </a:pPr>
-            <a:r>
-              <a:rPr lang="ru-RU" baseline="0" dirty="0" smtClean="0"/>
-              <a:t>Не понятно, пока не </a:t>
-            </a:r>
-            <a:r>
-              <a:rPr lang="ru-RU" baseline="0" dirty="0" err="1" smtClean="0"/>
-              <a:t>просимулируем</a:t>
-            </a:r>
-            <a:r>
-              <a:rPr lang="ru-RU" baseline="0" dirty="0" smtClean="0"/>
-              <a:t>.</a:t>
-            </a:r>
-          </a:p>
-          <a:p>
-            <a:pPr marL="228600" indent="-228600">
-              <a:buAutoNum type="arabicPeriod"/>
-            </a:pPr>
-            <a:r>
-              <a:rPr lang="ru-RU" baseline="0" dirty="0" smtClean="0"/>
-              <a:t>Можно брать разные траектории ( = последовательности команд для машинки), некоторой длины, симулировать их и выбирать самую </a:t>
-            </a:r>
-            <a:r>
-              <a:rPr lang="ru-RU" baseline="0" dirty="0" err="1" smtClean="0"/>
-              <a:t>лучшу</a:t>
-            </a:r>
-            <a:r>
-              <a:rPr lang="ru-RU" baseline="0" dirty="0" smtClean="0"/>
-              <a:t>.</a:t>
-            </a:r>
-          </a:p>
-          <a:p>
-            <a:pPr marL="228600" indent="-228600">
-              <a:buAutoNum type="arabicPeriod"/>
-            </a:pPr>
-            <a:endParaRPr lang="ru-RU" baseline="0" dirty="0" smtClean="0"/>
-          </a:p>
-          <a:p>
-            <a:pPr marL="0" indent="0">
-              <a:buNone/>
-            </a:pPr>
-            <a:r>
-              <a:rPr lang="ru-RU" baseline="0" dirty="0" smtClean="0"/>
-              <a:t>Остались вопросы:</a:t>
-            </a:r>
-          </a:p>
-          <a:p>
-            <a:pPr marL="228600" indent="-228600">
-              <a:buAutoNum type="arabicPeriod"/>
-            </a:pPr>
-            <a:r>
-              <a:rPr lang="ru-RU" baseline="0" dirty="0" smtClean="0"/>
-              <a:t>Где брать траектории, которые стоит </a:t>
-            </a:r>
-            <a:r>
-              <a:rPr lang="ru-RU" baseline="0" dirty="0" err="1" smtClean="0"/>
-              <a:t>посимулировать</a:t>
-            </a:r>
-            <a:r>
-              <a:rPr lang="ru-RU" baseline="0" dirty="0" smtClean="0"/>
-              <a:t>?</a:t>
-            </a:r>
-          </a:p>
-          <a:p>
-            <a:pPr marL="228600" indent="-228600">
-              <a:buAutoNum type="arabicPeriod"/>
-            </a:pPr>
-            <a:r>
-              <a:rPr lang="ru-RU" baseline="0" dirty="0" smtClean="0"/>
-              <a:t>Как оценивать, какая траектория лучше?</a:t>
-            </a:r>
             <a:endParaRPr lang="ru-RU" dirty="0"/>
           </a:p>
         </p:txBody>
@@ -1665,7 +1366,7 @@
           <a:p>
             <a:fld id="{A9A0EA98-5831-4853-B862-C702E6EB345C}" type="slidenum">
               <a:rPr lang="en-US" smtClean="0"/>
-              <a:t>8</a:t>
+              <a:t>11</a:t>
             </a:fld>
             <a:endParaRPr lang="en-US"/>
           </a:p>
@@ -1674,7 +1375,7 @@
     </p:spTree>
     <p:extLst>
       <p:ext uri="{BB962C8B-B14F-4D97-AF65-F5344CB8AC3E}">
-        <p14:creationId xmlns:p14="http://schemas.microsoft.com/office/powerpoint/2010/main" val="2284313636"/>
+        <p14:creationId xmlns:p14="http://schemas.microsoft.com/office/powerpoint/2010/main" val="1366068493"/>
       </p:ext>
     </p:extLst>
   </p:cSld>
@@ -1733,6 +1434,22 @@
           <a:bodyPr/>
           <a:lstStyle/>
           <a:p>
+            <a:r>
+              <a:rPr lang="ru-RU" dirty="0" smtClean="0"/>
+              <a:t>Какой</a:t>
+            </a:r>
+            <a:r>
+              <a:rPr lang="ru-RU" baseline="0" dirty="0" smtClean="0"/>
+              <a:t> может быть самый простой способ </a:t>
+            </a:r>
+            <a:r>
+              <a:rPr lang="ru-RU" baseline="0" dirty="0" err="1" smtClean="0"/>
+              <a:t>поперебирать</a:t>
+            </a:r>
+            <a:r>
+              <a:rPr lang="ru-RU" baseline="0" dirty="0" smtClean="0"/>
+              <a:t> разные траектории?</a:t>
+            </a:r>
             <a:endParaRPr lang="ru-RU" dirty="0"/>
           </a:p>
         </p:txBody>
@@ -1754,7 +1471,7 @@
           <a:p>
             <a:fld id="{A9A0EA98-5831-4853-B862-C702E6EB345C}" type="slidenum">
               <a:rPr lang="en-US" smtClean="0"/>
-              <a:t>9</a:t>
+              <a:t>14</a:t>
             </a:fld>
             <a:endParaRPr lang="en-US"/>
           </a:p>
@@ -1763,7 +1480,7 @@
     </p:spTree>
     <p:extLst>
       <p:ext uri="{BB962C8B-B14F-4D97-AF65-F5344CB8AC3E}">
-        <p14:creationId xmlns:p14="http://schemas.microsoft.com/office/powerpoint/2010/main" val="4038893518"/>
+        <p14:creationId xmlns:p14="http://schemas.microsoft.com/office/powerpoint/2010/main" val="3609852125"/>
       </p:ext>
     </p:extLst>
   </p:cSld>
@@ -1822,6 +1539,44 @@
           <a:bodyPr/>
           <a:lstStyle/>
           <a:p>
+            <a:pPr marL="0" marR="0" lvl="0" indent="0" algn="l" defTabSz="914400" rtl="0" eaLnBrk="1" fontAlgn="base" latinLnBrk="0" hangingPunct="1">
+              <a:lnSpc>
+                <a:spcPct val="100000"/>
+              </a:lnSpc>
+              <a:spcBef>
+                <a:spcPct val="30000"/>
+              </a:spcBef>
+              <a:spcAft>
+                <a:spcPct val="0"/>
+              </a:spcAft>
+              <a:buClrTx/>
+              <a:buSzTx/>
+              <a:buFontTx/>
+              <a:buNone/>
+              <a:tabLst/>
+              <a:defRPr/>
+            </a:pPr>
+            <a:r>
+              <a:rPr lang="ru-RU" dirty="0" smtClean="0"/>
+              <a:t>Сколько раз повторять п3?</a:t>
+            </a:r>
+          </a:p>
+          <a:p>
+            <a:endParaRPr lang="ru-RU" dirty="0" smtClean="0"/>
+          </a:p>
+          <a:p>
+            <a:r>
+              <a:rPr lang="ru-RU" dirty="0" smtClean="0"/>
+              <a:t>Какой значение выбрать для </a:t>
+            </a:r>
+            <a:r>
+              <a:rPr lang="en-US" dirty="0" smtClean="0"/>
+              <a:t>D</a:t>
+            </a:r>
+            <a:r>
+              <a:rPr lang="ru-RU" dirty="0" smtClean="0"/>
+              <a:t>?</a:t>
+            </a:r>
             <a:endParaRPr lang="ru-RU" dirty="0"/>
           </a:p>
         </p:txBody>
@@ -1852,7 +1607,7 @@
     </p:spTree>
     <p:extLst>
       <p:ext uri="{BB962C8B-B14F-4D97-AF65-F5344CB8AC3E}">
-        <p14:creationId xmlns:p14="http://schemas.microsoft.com/office/powerpoint/2010/main" val="1366068493"/>
+        <p14:creationId xmlns:p14="http://schemas.microsoft.com/office/powerpoint/2010/main" val="1395180677"/>
       </p:ext>
     </p:extLst>
   </p:cSld>
@@ -1913,21 +1668,21 @@
           <a:p>
             <a:r>
               <a:rPr lang="ru-RU" dirty="0" smtClean="0"/>
-              <a:t>Какой</a:t>
+              <a:t>После этого можно сделать </a:t>
+            </a:r>
+            <a:r>
+              <a:rPr lang="en-US" dirty="0" smtClean="0"/>
+              <a:t>Demo</a:t>
             </a:r>
             <a:r>
               <a:rPr lang="ru-RU" baseline="0" dirty="0" smtClean="0"/>
-              <a:t> может быть самый простой способ </a:t>
-            </a:r>
-            <a:r>
-              <a:rPr lang="ru-RU" baseline="0" dirty="0" err="1" smtClean="0"/>
-              <a:t>поперебирать</a:t>
-            </a:r>
-            <a:r>
-              <a:rPr lang="ru-RU" baseline="0" dirty="0" smtClean="0"/>
-              <a:t> разные траектории?</a:t>
-            </a:r>
-            <a:endParaRPr lang="ru-RU" dirty="0"/>
+              <a:t> того, что получится </a:t>
+            </a:r>
+            <a:r>
+              <a:rPr lang="ru-RU" baseline="0" smtClean="0"/>
+              <a:t>в результате</a:t>
+            </a:r>
+            <a:endParaRPr lang="ru-RU"/>
           </a:p>
         </p:txBody>
       </p:sp>
@@ -1957,7 +1712,7 @@
     </p:spTree>
     <p:extLst>
       <p:ext uri="{BB962C8B-B14F-4D97-AF65-F5344CB8AC3E}">
-        <p14:creationId xmlns:p14="http://schemas.microsoft.com/office/powerpoint/2010/main" val="3609852125"/>
+        <p14:creationId xmlns:p14="http://schemas.microsoft.com/office/powerpoint/2010/main" val="2276772588"/>
       </p:ext>
     </p:extLst>
   </p:cSld>
@@ -2185,7 +1940,7 @@
           <a:p>
             <a:fld id="{52604C20-81F0-455F-9EA6-DB887778A58A}" type="datetimeFigureOut">
               <a:rPr lang="en-US" smtClean="0"/>
-              <a:t>2/26/2022</a:t>
+              <a:t>3/22/2022</a:t>
             </a:fld>
             <a:endParaRPr lang="en-US"/>
           </a:p>
@@ -2384,7 +2139,7 @@
           <a:p>
             <a:fld id="{52604C20-81F0-455F-9EA6-DB887778A58A}" type="datetimeFigureOut">
               <a:rPr lang="en-US" smtClean="0"/>
-              <a:t>2/26/2022</a:t>
+              <a:t>3/22/2022</a:t>
             </a:fld>
             <a:endParaRPr lang="en-US"/>
           </a:p>
@@ -2591,7 +2346,7 @@
           <a:p>
             <a:fld id="{52604C20-81F0-455F-9EA6-DB887778A58A}" type="datetimeFigureOut">
               <a:rPr lang="en-US" smtClean="0"/>
-              <a:t>2/26/2022</a:t>
+              <a:t>3/22/2022</a:t>
             </a:fld>
             <a:endParaRPr lang="en-US"/>
           </a:p>
@@ -2742,7 +2497,7 @@
           <a:p>
             <a:fld id="{52604C20-81F0-455F-9EA6-DB887778A58A}" type="datetimeFigureOut">
               <a:rPr lang="en-US" smtClean="0"/>
-              <a:t>2/26/2022</a:t>
+              <a:t>3/22/2022</a:t>
             </a:fld>
             <a:endParaRPr lang="en-US"/>
           </a:p>
@@ -3044,7 +2799,7 @@
           <a:p>
             <a:fld id="{52604C20-81F0-455F-9EA6-DB887778A58A}" type="datetimeFigureOut">
               <a:rPr lang="en-US" smtClean="0"/>
-              <a:t>2/26/2022</a:t>
+              <a:t>3/22/2022</a:t>
             </a:fld>
             <a:endParaRPr lang="en-US"/>
           </a:p>
@@ -3294,7 +3049,7 @@
           <a:p>
             <a:fld id="{52604C20-81F0-455F-9EA6-DB887778A58A}" type="datetimeFigureOut">
               <a:rPr lang="en-US" smtClean="0"/>
-              <a:t>2/26/2022</a:t>
+              <a:t>3/22/2022</a:t>
             </a:fld>
             <a:endParaRPr lang="en-US"/>
           </a:p>
@@ -3754,8 +3509,8 @@
         </p:nvSpPr>
         <p:spPr>
           <a:xfrm>
-            <a:off x="4863401" y="2044765"/>
-            <a:ext cx="6741223" cy="1563623"/>
+            <a:off x="5295696" y="2044765"/>
+            <a:ext cx="6308928" cy="1563623"/>
           </a:xfrm>
         </p:spPr>
         <p:txBody>
@@ -3764,9 +3519,10 @@
           </a:bodyPr>
           <a:lstStyle/>
           <a:p>
-            <a:r>
-              <a:rPr lang="ru-RU" b="1" dirty="0" smtClean="0"/>
-              <a:t>Школа «Алгоритмы, играющие в игры»</a:t>
+            <a:pPr algn="l"/>
+            <a:r>
+              <a:rPr lang="en-US" b="1" dirty="0" smtClean="0"/>
+              <a:t>Monte Carlo</a:t>
             </a:r>
             <a:endParaRPr lang="ru-RU" b="1" dirty="0"/>
           </a:p>
@@ -3784,8 +3540,8 @@
         </p:nvSpPr>
         <p:spPr>
           <a:xfrm>
-            <a:off x="4863402" y="3692324"/>
-            <a:ext cx="5115100" cy="1884564"/>
+            <a:off x="5295696" y="3692324"/>
+            <a:ext cx="6308928" cy="1884564"/>
           </a:xfrm>
         </p:spPr>
         <p:txBody>
@@ -3794,45 +3550,10 @@
           </a:bodyPr>
           <a:lstStyle/>
           <a:p>
-            <a:r>
-              <a:rPr lang="ru-RU" sz="3200" dirty="0" smtClean="0"/>
-              <a:t>19 февраля — 19 марта</a:t>
-            </a:r>
-          </a:p>
-          <a:p>
-            <a:r>
-              <a:rPr lang="ru-RU" sz="3200" dirty="0" smtClean="0"/>
-              <a:t>Контур, ФИИТ </a:t>
-            </a:r>
-            <a:r>
-              <a:rPr lang="ru-RU" sz="3200" dirty="0" err="1" smtClean="0"/>
-              <a:t>УрФУ</a:t>
-            </a:r>
-            <a:r>
-              <a:rPr lang="ru-RU" sz="3200" dirty="0" smtClean="0"/>
-              <a:t/>
-            </a:r>
-            <a:br>
-              <a:rPr lang="ru-RU" sz="3200" dirty="0" smtClean="0"/>
-            </a:br>
-            <a:r>
-              <a:rPr lang="ru-RU" dirty="0"/>
-              <a:t/>
-            </a:r>
-            <a:br>
-              <a:rPr lang="ru-RU" dirty="0"/>
-            </a:br>
-            <a:r>
-              <a:rPr lang="ru-RU" dirty="0"/>
-              <a:t>Павел Егоров</a:t>
-            </a:r>
-            <a:r>
-              <a:rPr lang="en-US" dirty="0"/>
-              <a:t> @</a:t>
-            </a:r>
-            <a:r>
-              <a:rPr lang="en-US" dirty="0" err="1"/>
-              <a:t>xoposhiy</a:t>
+            <a:pPr algn="l"/>
+            <a:r>
+              <a:rPr lang="ru-RU" dirty="0" smtClean="0"/>
+              <a:t>Школа «Алгоритмы, играющие в игры»</a:t>
             </a:r>
             <a:endParaRPr lang="en-US" dirty="0"/>
           </a:p>
@@ -3892,8 +3613,13 @@
           <a:p>
             <a:r>
               <a:rPr lang="ru-RU" dirty="0"/>
-              <a:t>Составляющие решения</a:t>
-            </a:r>
+              <a:t>Объекты в </a:t>
+            </a:r>
+            <a:r>
+              <a:rPr lang="en-US" dirty="0"/>
+              <a:t>Python</a:t>
+            </a:r>
+            <a:endParaRPr lang="ru-RU" dirty="0"/>
           </a:p>
         </p:txBody>
       </p:sp>
@@ -3907,103 +3633,227 @@
             <p:ph idx="1"/>
           </p:nvPr>
         </p:nvSpPr>
-        <p:spPr/>
+        <p:spPr>
+          <a:xfrm>
+            <a:off x="623887" y="1592263"/>
+            <a:ext cx="10980737" cy="4937629"/>
+          </a:xfrm>
+        </p:spPr>
         <p:txBody>
           <a:bodyPr/>
           <a:lstStyle/>
           <a:p>
-            <a:pPr>
-              <a:buFont typeface="+mj-lt"/>
-              <a:buAutoNum type="arabicPeriod"/>
+            <a:pPr marL="0" indent="0">
+              <a:buNone/>
             </a:pPr>
             <a:r>
-              <a:rPr lang="ru-RU" b="1" dirty="0" smtClean="0">
+              <a:rPr lang="en-US" dirty="0" smtClean="0">
+                <a:latin typeface="Consolas" panose="020B0609020204030204" pitchFamily="49" charset="0"/>
+              </a:rPr>
+              <a:t>class Box:</a:t>
+            </a:r>
+          </a:p>
+          <a:p>
+            <a:pPr marL="0" indent="0">
+              <a:buNone/>
+            </a:pPr>
+            <a:r>
+              <a:rPr lang="en-US" dirty="0">
+                <a:latin typeface="Consolas" panose="020B0609020204030204" pitchFamily="49" charset="0"/>
+              </a:rPr>
+              <a:t> </a:t>
+            </a:r>
+            <a:r>
+              <a:rPr lang="en-US" dirty="0" smtClean="0">
+                <a:latin typeface="Consolas" panose="020B0609020204030204" pitchFamily="49" charset="0"/>
+              </a:rPr>
+              <a:t> </a:t>
+            </a:r>
+            <a:r>
+              <a:rPr lang="en-US" dirty="0" err="1" smtClean="0">
+                <a:latin typeface="Consolas" panose="020B0609020204030204" pitchFamily="49" charset="0"/>
+              </a:rPr>
+              <a:t>def</a:t>
+            </a:r>
+            <a:r>
+              <a:rPr lang="en-US" dirty="0" smtClean="0">
+                <a:latin typeface="Consolas" panose="020B0609020204030204" pitchFamily="49" charset="0"/>
+              </a:rPr>
+              <a:t> __</a:t>
+            </a:r>
+            <a:r>
+              <a:rPr lang="en-US" dirty="0" err="1" smtClean="0">
+                <a:latin typeface="Consolas" panose="020B0609020204030204" pitchFamily="49" charset="0"/>
+              </a:rPr>
+              <a:t>init</a:t>
+            </a:r>
+            <a:r>
+              <a:rPr lang="en-US" dirty="0" smtClean="0">
+                <a:latin typeface="Consolas" panose="020B0609020204030204" pitchFamily="49" charset="0"/>
+              </a:rPr>
+              <a:t>__(self, color):</a:t>
+            </a:r>
+          </a:p>
+          <a:p>
+            <a:pPr marL="0" indent="0">
+              <a:buNone/>
+            </a:pPr>
+            <a:r>
+              <a:rPr lang="en-US" dirty="0" smtClean="0">
+                <a:latin typeface="Consolas" panose="020B0609020204030204" pitchFamily="49" charset="0"/>
+              </a:rPr>
+              <a:t>    </a:t>
+            </a:r>
+            <a:r>
+              <a:rPr lang="en-US" dirty="0" err="1" smtClean="0">
+                <a:latin typeface="Consolas" panose="020B0609020204030204" pitchFamily="49" charset="0"/>
+              </a:rPr>
+              <a:t>self.color</a:t>
+            </a:r>
+            <a:r>
+              <a:rPr lang="en-US" dirty="0" smtClean="0">
+                <a:latin typeface="Consolas" panose="020B0609020204030204" pitchFamily="49" charset="0"/>
+              </a:rPr>
+              <a:t> = color</a:t>
+            </a:r>
+          </a:p>
+          <a:p>
+            <a:pPr marL="0" indent="0">
+              <a:buNone/>
+            </a:pPr>
+            <a:endParaRPr lang="en-US" dirty="0" smtClean="0">
+              <a:latin typeface="Consolas" panose="020B0609020204030204" pitchFamily="49" charset="0"/>
+            </a:endParaRPr>
+          </a:p>
+          <a:p>
+            <a:pPr marL="0" indent="0">
+              <a:buNone/>
+            </a:pPr>
+            <a:r>
+              <a:rPr lang="ru-RU" dirty="0" smtClean="0">
+                <a:latin typeface="Consolas" panose="020B0609020204030204" pitchFamily="49" charset="0"/>
+              </a:rPr>
+              <a:t>  </a:t>
+            </a:r>
+            <a:r>
+              <a:rPr lang="en-US" dirty="0" err="1" smtClean="0">
                 <a:solidFill>
                   <a:schemeClr val="accent2"/>
                 </a:solidFill>
+                <a:latin typeface="Consolas" panose="020B0609020204030204" pitchFamily="49" charset="0"/>
               </a:rPr>
-              <a:t>Симуляция</a:t>
-            </a:r>
-            <a:endParaRPr lang="en-US" b="1" dirty="0" smtClean="0">
-              <a:solidFill>
-                <a:schemeClr val="accent2"/>
-              </a:solidFill>
-            </a:endParaRPr>
-          </a:p>
-          <a:p>
-            <a:pPr lvl="1">
-              <a:buFont typeface="+mj-lt"/>
-              <a:buAutoNum type="arabicPeriod"/>
-            </a:pPr>
-            <a:r>
-              <a:rPr lang="ru-RU" dirty="0" smtClean="0">
+              <a:t>def</a:t>
+            </a:r>
+            <a:r>
+              <a:rPr lang="en-US" dirty="0" smtClean="0">
                 <a:solidFill>
                   <a:schemeClr val="accent2"/>
                 </a:solidFill>
+                <a:latin typeface="Consolas" panose="020B0609020204030204" pitchFamily="49" charset="0"/>
               </a:rPr>
-              <a:t>Всё состояние игры</a:t>
-            </a:r>
-          </a:p>
-          <a:p>
-            <a:pPr lvl="1">
-              <a:buFont typeface="+mj-lt"/>
-              <a:buAutoNum type="arabicPeriod"/>
-            </a:pPr>
-            <a:r>
-              <a:rPr lang="ru-RU" dirty="0" smtClean="0">
+              <a:t> __</a:t>
+            </a:r>
+            <a:r>
+              <a:rPr lang="en-US" dirty="0" err="1" smtClean="0">
                 <a:solidFill>
                   <a:schemeClr val="accent2"/>
                 </a:solidFill>
+                <a:latin typeface="Consolas" panose="020B0609020204030204" pitchFamily="49" charset="0"/>
               </a:rPr>
-              <a:t>Применение одного хода</a:t>
-            </a:r>
-          </a:p>
-          <a:p>
-            <a:pPr lvl="1">
-              <a:buFont typeface="+mj-lt"/>
-              <a:buAutoNum type="arabicPeriod"/>
+              <a:t>str</a:t>
+            </a:r>
+            <a:r>
+              <a:rPr lang="en-US" dirty="0" smtClean="0">
+                <a:solidFill>
+                  <a:schemeClr val="accent2"/>
+                </a:solidFill>
+                <a:latin typeface="Consolas" panose="020B0609020204030204" pitchFamily="49" charset="0"/>
+              </a:rPr>
+              <a:t>__(self):</a:t>
+            </a:r>
+          </a:p>
+          <a:p>
+            <a:pPr marL="0" indent="0">
+              <a:buNone/>
             </a:pPr>
             <a:r>
-              <a:rPr lang="en-US" dirty="0" smtClean="0"/>
-              <a:t>[</a:t>
-            </a:r>
-            <a:r>
-              <a:rPr lang="ru-RU" dirty="0" smtClean="0"/>
-              <a:t> Получение списка доступных ходов </a:t>
-            </a:r>
-            <a:r>
-              <a:rPr lang="en-US" dirty="0" smtClean="0"/>
-              <a:t>]</a:t>
-            </a:r>
-            <a:endParaRPr lang="en-US" dirty="0"/>
-          </a:p>
-          <a:p>
-            <a:pPr>
-              <a:buFont typeface="+mj-lt"/>
-              <a:buAutoNum type="arabicPeriod"/>
+              <a:rPr lang="en-US" dirty="0">
+                <a:solidFill>
+                  <a:schemeClr val="accent2"/>
+                </a:solidFill>
+                <a:latin typeface="Consolas" panose="020B0609020204030204" pitchFamily="49" charset="0"/>
+              </a:rPr>
+              <a:t> </a:t>
+            </a:r>
+            <a:r>
+              <a:rPr lang="en-US" dirty="0" smtClean="0">
+                <a:solidFill>
+                  <a:schemeClr val="accent2"/>
+                </a:solidFill>
+                <a:latin typeface="Consolas" panose="020B0609020204030204" pitchFamily="49" charset="0"/>
+              </a:rPr>
+              <a:t>   return f'{color} box'</a:t>
+            </a:r>
+          </a:p>
+          <a:p>
+            <a:pPr marL="0" indent="0">
+              <a:buNone/>
             </a:pPr>
-            <a:r>
-              <a:rPr lang="ru-RU" dirty="0" smtClean="0"/>
-              <a:t>Оценка состояния</a:t>
-            </a:r>
-          </a:p>
-          <a:p>
-            <a:pPr>
-              <a:buFont typeface="+mj-lt"/>
-              <a:buAutoNum type="arabicPeriod"/>
+            <a:endParaRPr lang="en-US" dirty="0">
+              <a:latin typeface="Consolas" panose="020B0609020204030204" pitchFamily="49" charset="0"/>
+            </a:endParaRPr>
+          </a:p>
+          <a:p>
+            <a:pPr marL="0" indent="0">
+              <a:buNone/>
             </a:pPr>
             <a:r>
-              <a:rPr lang="ru-RU" dirty="0" smtClean="0"/>
-              <a:t>Алгоритм поиска</a:t>
-            </a:r>
-            <a:endParaRPr lang="ru-RU" dirty="0"/>
+              <a:rPr lang="en-US" dirty="0" smtClean="0">
+                <a:latin typeface="Consolas" panose="020B0609020204030204" pitchFamily="49" charset="0"/>
+              </a:rPr>
+              <a:t>box = Box('black')</a:t>
+            </a:r>
+          </a:p>
+          <a:p>
+            <a:pPr marL="0" indent="0">
+              <a:buNone/>
+            </a:pPr>
+            <a:r>
+              <a:rPr lang="en-US" dirty="0" smtClean="0">
+                <a:latin typeface="Consolas" panose="020B0609020204030204" pitchFamily="49" charset="0"/>
+              </a:rPr>
+              <a:t>print(box) # 'black box'</a:t>
+            </a:r>
+          </a:p>
+          <a:p>
+            <a:pPr marL="0" indent="0">
+              <a:buNone/>
+            </a:pPr>
+            <a:r>
+              <a:rPr lang="en-US" dirty="0" smtClean="0">
+                <a:latin typeface="Consolas" panose="020B0609020204030204" pitchFamily="49" charset="0"/>
+              </a:rPr>
+              <a:t>s = </a:t>
+            </a:r>
+            <a:r>
+              <a:rPr lang="en-US" dirty="0" err="1" smtClean="0">
+                <a:latin typeface="Consolas" panose="020B0609020204030204" pitchFamily="49" charset="0"/>
+              </a:rPr>
+              <a:t>str</a:t>
+            </a:r>
+            <a:r>
+              <a:rPr lang="en-US" dirty="0" smtClean="0">
+                <a:latin typeface="Consolas" panose="020B0609020204030204" pitchFamily="49" charset="0"/>
+              </a:rPr>
+              <a:t>(box) # 'black box'</a:t>
+            </a:r>
           </a:p>
         </p:txBody>
       </p:sp>
     </p:spTree>
     <p:extLst>
       <p:ext uri="{BB962C8B-B14F-4D97-AF65-F5344CB8AC3E}">
-        <p14:creationId xmlns:p14="http://schemas.microsoft.com/office/powerpoint/2010/main" val="3191963235"/>
+        <p14:creationId xmlns:p14="http://schemas.microsoft.com/office/powerpoint/2010/main" val="3457699650"/>
       </p:ext>
     </p:extLst>
   </p:cSld>
@@ -4123,12 +3973,66 @@
             </a:r>
             <a:endParaRPr lang="ru-RU" dirty="0" smtClean="0"/>
           </a:p>
+          <a:p>
+            <a:endParaRPr lang="ru-RU" dirty="0"/>
+          </a:p>
+          <a:p>
+            <a:pPr marL="0" indent="0">
+              <a:buNone/>
+            </a:pPr>
+            <a:endParaRPr lang="ru-RU" dirty="0" smtClean="0"/>
+          </a:p>
+          <a:p>
+            <a:pPr marL="0" indent="0" algn="ctr">
+              <a:buNone/>
+            </a:pPr>
+            <a:r>
+              <a:rPr lang="ru-RU" sz="4400" b="1" dirty="0" smtClean="0"/>
+              <a:t>Смотрим код</a:t>
+            </a:r>
+            <a:br>
+              <a:rPr lang="ru-RU" sz="4400" b="1" dirty="0" smtClean="0"/>
+            </a:br>
+            <a:r>
+              <a:rPr lang="en-US" dirty="0">
+                <a:hlinkClick r:id="rId3"/>
+              </a:rPr>
+              <a:t>https://bit.ly/gameai22</a:t>
+            </a:r>
+            <a:r>
+              <a:rPr lang="en-US" dirty="0"/>
+              <a:t> </a:t>
+            </a:r>
+          </a:p>
+          <a:p>
+            <a:pPr marL="0" indent="0" algn="ctr">
+              <a:buNone/>
+            </a:pPr>
+            <a:r>
+              <a:rPr lang="ru-RU" dirty="0" smtClean="0"/>
+              <a:t>Стартовый код с реализацией симуляции</a:t>
+            </a:r>
+            <a:r>
+              <a:rPr lang="ru-RU" dirty="0" smtClean="0"/>
+              <a:t> </a:t>
+            </a:r>
+            <a:endParaRPr lang="ru-RU" dirty="0"/>
+          </a:p>
+          <a:p>
+            <a:pPr marL="0" indent="0">
+              <a:buNone/>
+            </a:pPr>
+            <a:endParaRPr lang="ru-RU" b="1" dirty="0" smtClean="0"/>
+          </a:p>
+          <a:p>
+            <a:endParaRPr lang="ru-RU" dirty="0"/>
+          </a:p>
         </p:txBody>
       </p:sp>
     </p:spTree>
     <p:extLst>
       <p:ext uri="{BB962C8B-B14F-4D97-AF65-F5344CB8AC3E}">
-        <p14:creationId xmlns:p14="http://schemas.microsoft.com/office/powerpoint/2010/main" val="771400384"/>
+        <p14:creationId xmlns:p14="http://schemas.microsoft.com/office/powerpoint/2010/main" val="276831511"/>
       </p:ext>
     </p:extLst>
   </p:cSld>
@@ -4138,80 +4042,9 @@
   <p:timing>
     <p:tnLst>
       <p:par>
-        <p:cTn id="1" dur="indefinite" restart="never" nodeType="tmRoot">
-          <p:childTnLst>
-            <p:seq concurrent="1" nextAc="seek">
-              <p:cTn id="2" dur="indefinite" nodeType="mainSeq">
-                <p:childTnLst>
-                  <p:par>
-                    <p:cTn id="3" fill="hold">
-                      <p:stCondLst>
-                        <p:cond delay="indefinite"/>
-                      </p:stCondLst>
-                      <p:childTnLst>
-                        <p:par>
-                          <p:cTn id="4" fill="hold">
-                            <p:stCondLst>
-                              <p:cond delay="0"/>
-                            </p:stCondLst>
-                            <p:childTnLst>
-                              <p:par>
-                                <p:cTn id="5" presetID="1" presetClass="entr" presetSubtype="0" fill="hold" grpId="0" nodeType="clickEffect">
-                                  <p:stCondLst>
-                                    <p:cond delay="0"/>
-                                  </p:stCondLst>
-                                  <p:childTnLst>
-                                    <p:set>
-                                      <p:cBhvr>
-                                        <p:cTn id="6" dur="1" fill="hold">
-                                          <p:stCondLst>
-                                            <p:cond delay="0"/>
-                                          </p:stCondLst>
-                                        </p:cTn>
-                                        <p:tgtEl>
-                                          <p:spTgt spid="3"/>
-                                        </p:tgtEl>
-                                        <p:attrNameLst>
-                                          <p:attrName>style.visibility</p:attrName>
-                                        </p:attrNameLst>
-                                      </p:cBhvr>
-                                      <p:to>
-                                        <p:strVal val="visible"/>
-                                      </p:to>
-                                    </p:set>
-                                  </p:childTnLst>
-                                </p:cTn>
-                              </p:par>
-                            </p:childTnLst>
-                          </p:cTn>
-                        </p:par>
-                      </p:childTnLst>
-                    </p:cTn>
-                  </p:par>
-                </p:childTnLst>
-              </p:cTn>
-              <p:prevCondLst>
-                <p:cond evt="onPrev" delay="0">
-                  <p:tgtEl>
-                    <p:sldTgt/>
-                  </p:tgtEl>
-                </p:cond>
-              </p:prevCondLst>
-              <p:nextCondLst>
-                <p:cond evt="onNext" delay="0">
-                  <p:tgtEl>
-                    <p:sldTgt/>
-                  </p:tgtEl>
-                </p:cond>
-              </p:nextCondLst>
-            </p:seq>
-          </p:childTnLst>
-        </p:cTn>
+        <p:cTn id="1" dur="indefinite" restart="never" nodeType="tmRoot"/>
       </p:par>
     </p:tnLst>
-    <p:bldLst>
-      <p:bldP spid="3" grpId="0"/>
-    </p:bldLst>
   </p:timing>
 </p:sld>
 </file>
@@ -4250,13 +4083,8 @@
           <a:p>
             <a:r>
               <a:rPr lang="ru-RU" dirty="0"/>
-              <a:t>Объекты в </a:t>
-            </a:r>
-            <a:r>
-              <a:rPr lang="en-US" dirty="0"/>
-              <a:t>Python</a:t>
-            </a:r>
-            <a:endParaRPr lang="ru-RU" dirty="0"/>
+              <a:t>Составляющие решения</a:t>
+            </a:r>
           </a:p>
         </p:txBody>
       </p:sp>
@@ -4275,170 +4103,92 @@
           <a:bodyPr/>
           <a:lstStyle/>
           <a:p>
-            <a:pPr marL="0" indent="0">
-              <a:buNone/>
+            <a:pPr>
+              <a:buFont typeface="+mj-lt"/>
+              <a:buAutoNum type="arabicPeriod"/>
             </a:pPr>
             <a:r>
-              <a:rPr lang="en-US" dirty="0" smtClean="0">
-                <a:latin typeface="Consolas" panose="020B0609020204030204" pitchFamily="49" charset="0"/>
+              <a:rPr lang="ru-RU" dirty="0"/>
+              <a:t>Симуляция</a:t>
+            </a:r>
+            <a:endParaRPr lang="en-US" dirty="0"/>
+          </a:p>
+          <a:p>
+            <a:pPr lvl="1">
+              <a:buFont typeface="+mj-lt"/>
+              <a:buAutoNum type="arabicPeriod"/>
+            </a:pPr>
+            <a:r>
+              <a:rPr lang="ru-RU" dirty="0"/>
+              <a:t>Всё состояние игры</a:t>
+            </a:r>
+          </a:p>
+          <a:p>
+            <a:pPr lvl="1">
+              <a:buFont typeface="+mj-lt"/>
+              <a:buAutoNum type="arabicPeriod"/>
+            </a:pPr>
+            <a:r>
+              <a:rPr lang="ru-RU" dirty="0"/>
+              <a:t>Применение одного хода</a:t>
+            </a:r>
+          </a:p>
+          <a:p>
+            <a:pPr lvl="1">
+              <a:buFont typeface="+mj-lt"/>
+              <a:buAutoNum type="arabicPeriod"/>
+            </a:pPr>
+            <a:r>
+              <a:rPr lang="en-US" dirty="0" smtClean="0"/>
+              <a:t>[</a:t>
+            </a:r>
+            <a:r>
+              <a:rPr lang="ru-RU" dirty="0" smtClean="0"/>
+              <a:t> Получение списка доступных ходов </a:t>
+            </a:r>
+            <a:r>
+              <a:rPr lang="en-US" dirty="0" smtClean="0"/>
+              <a:t>]</a:t>
+            </a:r>
+            <a:endParaRPr lang="en-US" dirty="0"/>
+          </a:p>
+          <a:p>
+            <a:pPr>
+              <a:buFont typeface="+mj-lt"/>
+              <a:buAutoNum type="arabicPeriod"/>
+            </a:pPr>
+            <a:r>
+              <a:rPr lang="ru-RU" b="1" dirty="0">
+                <a:solidFill>
+                  <a:schemeClr val="accent2"/>
+                </a:solidFill>
               </a:rPr>
-              <a:t>class Box:</a:t>
-            </a:r>
-          </a:p>
-          <a:p>
-            <a:pPr marL="0" indent="0">
-              <a:buNone/>
+              <a:t>Оценка состояния</a:t>
+            </a:r>
+          </a:p>
+          <a:p>
+            <a:pPr>
+              <a:buFont typeface="+mj-lt"/>
+              <a:buAutoNum type="arabicPeriod"/>
             </a:pPr>
             <a:r>
-              <a:rPr lang="en-US" dirty="0">
-                <a:latin typeface="Consolas" panose="020B0609020204030204" pitchFamily="49" charset="0"/>
-              </a:rPr>
-              <a:t> </a:t>
-            </a:r>
-            <a:r>
-              <a:rPr lang="en-US" dirty="0" smtClean="0">
-                <a:latin typeface="Consolas" panose="020B0609020204030204" pitchFamily="49" charset="0"/>
-              </a:rPr>
-              <a:t> </a:t>
-            </a:r>
-            <a:r>
-              <a:rPr lang="en-US" dirty="0" err="1" smtClean="0">
-                <a:latin typeface="Consolas" panose="020B0609020204030204" pitchFamily="49" charset="0"/>
-              </a:rPr>
-              <a:t>def</a:t>
-            </a:r>
-            <a:r>
-              <a:rPr lang="en-US" dirty="0" smtClean="0">
-                <a:latin typeface="Consolas" panose="020B0609020204030204" pitchFamily="49" charset="0"/>
-              </a:rPr>
-              <a:t> __</a:t>
-            </a:r>
-            <a:r>
-              <a:rPr lang="en-US" dirty="0" err="1" smtClean="0">
-                <a:latin typeface="Consolas" panose="020B0609020204030204" pitchFamily="49" charset="0"/>
-              </a:rPr>
-              <a:t>init</a:t>
-            </a:r>
-            <a:r>
-              <a:rPr lang="en-US" dirty="0" smtClean="0">
-                <a:latin typeface="Consolas" panose="020B0609020204030204" pitchFamily="49" charset="0"/>
-              </a:rPr>
-              <a:t>__(self, size, color):</a:t>
-            </a:r>
-          </a:p>
-          <a:p>
-            <a:pPr marL="0" indent="0">
-              <a:buNone/>
+              <a:rPr lang="ru-RU" dirty="0"/>
+              <a:t>Алгоритм поиска долгосрочной стратегии</a:t>
+            </a:r>
+          </a:p>
+          <a:p>
+            <a:pPr lvl="1">
+              <a:buFont typeface="+mj-lt"/>
+              <a:buAutoNum type="arabicPeriod"/>
             </a:pPr>
-            <a:r>
-              <a:rPr lang="en-US" dirty="0">
-                <a:latin typeface="Consolas" panose="020B0609020204030204" pitchFamily="49" charset="0"/>
-              </a:rPr>
-              <a:t> </a:t>
-            </a:r>
-            <a:r>
-              <a:rPr lang="en-US" dirty="0" smtClean="0">
-                <a:latin typeface="Consolas" panose="020B0609020204030204" pitchFamily="49" charset="0"/>
-              </a:rPr>
-              <a:t>   </a:t>
-            </a:r>
-            <a:r>
-              <a:rPr lang="en-US" dirty="0" err="1" smtClean="0">
-                <a:latin typeface="Consolas" panose="020B0609020204030204" pitchFamily="49" charset="0"/>
-              </a:rPr>
-              <a:t>self.size</a:t>
-            </a:r>
-            <a:r>
-              <a:rPr lang="en-US" dirty="0" smtClean="0">
-                <a:latin typeface="Consolas" panose="020B0609020204030204" pitchFamily="49" charset="0"/>
-              </a:rPr>
-              <a:t> = size</a:t>
-            </a:r>
-          </a:p>
-          <a:p>
-            <a:pPr marL="0" indent="0">
-              <a:buNone/>
-            </a:pPr>
-            <a:r>
-              <a:rPr lang="en-US" dirty="0">
-                <a:latin typeface="Consolas" panose="020B0609020204030204" pitchFamily="49" charset="0"/>
-              </a:rPr>
-              <a:t> </a:t>
-            </a:r>
-            <a:r>
-              <a:rPr lang="en-US" dirty="0" smtClean="0">
-                <a:latin typeface="Consolas" panose="020B0609020204030204" pitchFamily="49" charset="0"/>
-              </a:rPr>
-              <a:t>   </a:t>
-            </a:r>
-            <a:r>
-              <a:rPr lang="en-US" dirty="0" err="1" smtClean="0">
-                <a:latin typeface="Consolas" panose="020B0609020204030204" pitchFamily="49" charset="0"/>
-              </a:rPr>
-              <a:t>self.color</a:t>
-            </a:r>
-            <a:r>
-              <a:rPr lang="en-US" dirty="0" smtClean="0">
-                <a:latin typeface="Consolas" panose="020B0609020204030204" pitchFamily="49" charset="0"/>
-              </a:rPr>
-              <a:t> = color</a:t>
-            </a:r>
-          </a:p>
-          <a:p>
-            <a:pPr marL="0" indent="0">
-              <a:buNone/>
-            </a:pPr>
-            <a:endParaRPr lang="en-US" dirty="0">
-              <a:latin typeface="Consolas" panose="020B0609020204030204" pitchFamily="49" charset="0"/>
-            </a:endParaRPr>
-          </a:p>
-          <a:p>
-            <a:pPr marL="0" indent="0">
-              <a:buNone/>
-            </a:pPr>
-            <a:r>
-              <a:rPr lang="en-US" dirty="0" smtClean="0">
-                <a:latin typeface="Consolas" panose="020B0609020204030204" pitchFamily="49" charset="0"/>
-              </a:rPr>
-              <a:t>box1 = Box(20, 'black')</a:t>
-            </a:r>
-          </a:p>
-          <a:p>
-            <a:pPr marL="0" indent="0">
-              <a:buNone/>
-            </a:pPr>
-            <a:r>
-              <a:rPr lang="en-US" dirty="0" smtClean="0">
-                <a:latin typeface="Consolas" panose="020B0609020204030204" pitchFamily="49" charset="0"/>
-              </a:rPr>
-              <a:t>box2 = Box(10, 'red')</a:t>
-            </a:r>
-          </a:p>
-          <a:p>
-            <a:pPr marL="0" indent="0">
-              <a:buNone/>
-            </a:pPr>
-            <a:r>
-              <a:rPr lang="en-US" dirty="0" smtClean="0">
-                <a:latin typeface="Consolas" panose="020B0609020204030204" pitchFamily="49" charset="0"/>
-              </a:rPr>
-              <a:t>box1.size + box2.size # 30</a:t>
-            </a:r>
-          </a:p>
-          <a:p>
-            <a:pPr marL="0" indent="0">
-              <a:buNone/>
-            </a:pPr>
-            <a:endParaRPr lang="en-US" dirty="0" smtClean="0">
-              <a:latin typeface="Consolas" panose="020B0609020204030204" pitchFamily="49" charset="0"/>
-            </a:endParaRPr>
+            <a:endParaRPr lang="ru-RU" dirty="0"/>
           </a:p>
         </p:txBody>
       </p:sp>
     </p:spTree>
     <p:extLst>
       <p:ext uri="{BB962C8B-B14F-4D97-AF65-F5344CB8AC3E}">
-        <p14:creationId xmlns:p14="http://schemas.microsoft.com/office/powerpoint/2010/main" val="3594146022"/>
+        <p14:creationId xmlns:p14="http://schemas.microsoft.com/office/powerpoint/2010/main" val="4024650536"/>
       </p:ext>
     </p:extLst>
   </p:cSld>
@@ -4488,664 +4238,8 @@
           <a:lstStyle/>
           <a:p>
             <a:r>
-              <a:rPr lang="ru-RU" dirty="0"/>
-              <a:t>Объекты в </a:t>
-            </a:r>
-            <a:r>
-              <a:rPr lang="en-US" dirty="0"/>
-              <a:t>Python</a:t>
-            </a:r>
-            <a:endParaRPr lang="ru-RU" dirty="0"/>
-          </a:p>
-        </p:txBody>
-      </p:sp>
-      <p:sp>
-        <p:nvSpPr>
-          <p:cNvPr id="3" name="Объект 2"/>
-          <p:cNvSpPr>
-            <a:spLocks noGrp="1"/>
-          </p:cNvSpPr>
-          <p:nvPr>
-            <p:ph idx="1"/>
-          </p:nvPr>
-        </p:nvSpPr>
-        <p:spPr>
-          <a:xfrm>
-            <a:off x="623887" y="1592263"/>
-            <a:ext cx="10980737" cy="4937629"/>
-          </a:xfrm>
-        </p:spPr>
-        <p:txBody>
-          <a:bodyPr/>
-          <a:lstStyle/>
-          <a:p>
-            <a:pPr marL="0" indent="0">
-              <a:buNone/>
-            </a:pPr>
-            <a:r>
-              <a:rPr lang="en-US" dirty="0" smtClean="0">
-                <a:latin typeface="Consolas" panose="020B0609020204030204" pitchFamily="49" charset="0"/>
-              </a:rPr>
-              <a:t>class Box:</a:t>
-            </a:r>
-          </a:p>
-          <a:p>
-            <a:pPr marL="0" indent="0">
-              <a:buNone/>
-            </a:pPr>
-            <a:r>
-              <a:rPr lang="en-US" dirty="0">
-                <a:latin typeface="Consolas" panose="020B0609020204030204" pitchFamily="49" charset="0"/>
-              </a:rPr>
-              <a:t> </a:t>
-            </a:r>
-            <a:r>
-              <a:rPr lang="en-US" dirty="0" smtClean="0">
-                <a:latin typeface="Consolas" panose="020B0609020204030204" pitchFamily="49" charset="0"/>
-              </a:rPr>
-              <a:t> </a:t>
-            </a:r>
-            <a:r>
-              <a:rPr lang="en-US" dirty="0" err="1" smtClean="0">
-                <a:latin typeface="Consolas" panose="020B0609020204030204" pitchFamily="49" charset="0"/>
-              </a:rPr>
-              <a:t>def</a:t>
-            </a:r>
-            <a:r>
-              <a:rPr lang="en-US" dirty="0" smtClean="0">
-                <a:latin typeface="Consolas" panose="020B0609020204030204" pitchFamily="49" charset="0"/>
-              </a:rPr>
-              <a:t> __</a:t>
-            </a:r>
-            <a:r>
-              <a:rPr lang="en-US" dirty="0" err="1" smtClean="0">
-                <a:latin typeface="Consolas" panose="020B0609020204030204" pitchFamily="49" charset="0"/>
-              </a:rPr>
-              <a:t>init</a:t>
-            </a:r>
-            <a:r>
-              <a:rPr lang="en-US" dirty="0" smtClean="0">
-                <a:latin typeface="Consolas" panose="020B0609020204030204" pitchFamily="49" charset="0"/>
-              </a:rPr>
-              <a:t>__(self, size, color):</a:t>
-            </a:r>
-          </a:p>
-          <a:p>
-            <a:pPr marL="0" indent="0">
-              <a:buNone/>
-            </a:pPr>
-            <a:r>
-              <a:rPr lang="en-US" dirty="0">
-                <a:latin typeface="Consolas" panose="020B0609020204030204" pitchFamily="49" charset="0"/>
-              </a:rPr>
-              <a:t> </a:t>
-            </a:r>
-            <a:r>
-              <a:rPr lang="en-US" dirty="0" smtClean="0">
-                <a:latin typeface="Consolas" panose="020B0609020204030204" pitchFamily="49" charset="0"/>
-              </a:rPr>
-              <a:t>   </a:t>
-            </a:r>
-            <a:r>
-              <a:rPr lang="en-US" dirty="0" err="1" smtClean="0">
-                <a:latin typeface="Consolas" panose="020B0609020204030204" pitchFamily="49" charset="0"/>
-              </a:rPr>
-              <a:t>self.size</a:t>
-            </a:r>
-            <a:r>
-              <a:rPr lang="en-US" dirty="0" smtClean="0">
-                <a:latin typeface="Consolas" panose="020B0609020204030204" pitchFamily="49" charset="0"/>
-              </a:rPr>
-              <a:t> = size</a:t>
-            </a:r>
-          </a:p>
-          <a:p>
-            <a:pPr marL="0" indent="0">
-              <a:buNone/>
-            </a:pPr>
-            <a:r>
-              <a:rPr lang="en-US" dirty="0">
-                <a:latin typeface="Consolas" panose="020B0609020204030204" pitchFamily="49" charset="0"/>
-              </a:rPr>
-              <a:t> </a:t>
-            </a:r>
-            <a:r>
-              <a:rPr lang="en-US" dirty="0" smtClean="0">
-                <a:latin typeface="Consolas" panose="020B0609020204030204" pitchFamily="49" charset="0"/>
-              </a:rPr>
-              <a:t>   </a:t>
-            </a:r>
-            <a:r>
-              <a:rPr lang="en-US" dirty="0" err="1" smtClean="0">
-                <a:latin typeface="Consolas" panose="020B0609020204030204" pitchFamily="49" charset="0"/>
-              </a:rPr>
-              <a:t>self.color</a:t>
-            </a:r>
-            <a:r>
-              <a:rPr lang="en-US" dirty="0" smtClean="0">
-                <a:latin typeface="Consolas" panose="020B0609020204030204" pitchFamily="49" charset="0"/>
-              </a:rPr>
-              <a:t> = color</a:t>
-            </a:r>
-          </a:p>
-          <a:p>
-            <a:pPr marL="0" indent="0">
-              <a:buNone/>
-            </a:pPr>
-            <a:r>
-              <a:rPr lang="en-US" dirty="0">
-                <a:latin typeface="Consolas" panose="020B0609020204030204" pitchFamily="49" charset="0"/>
-              </a:rPr>
-              <a:t> </a:t>
-            </a:r>
-            <a:r>
-              <a:rPr lang="en-US" dirty="0" smtClean="0">
-                <a:latin typeface="Consolas" panose="020B0609020204030204" pitchFamily="49" charset="0"/>
-              </a:rPr>
-              <a:t>   </a:t>
-            </a:r>
-            <a:r>
-              <a:rPr lang="en-US" dirty="0" err="1" smtClean="0">
-                <a:solidFill>
-                  <a:schemeClr val="accent2"/>
-                </a:solidFill>
-                <a:latin typeface="Consolas" panose="020B0609020204030204" pitchFamily="49" charset="0"/>
-              </a:rPr>
-              <a:t>self.content</a:t>
-            </a:r>
-            <a:r>
-              <a:rPr lang="en-US" dirty="0" smtClean="0">
-                <a:solidFill>
-                  <a:schemeClr val="accent2"/>
-                </a:solidFill>
-                <a:latin typeface="Consolas" panose="020B0609020204030204" pitchFamily="49" charset="0"/>
-              </a:rPr>
-              <a:t> = None</a:t>
-            </a:r>
-            <a:endParaRPr lang="ru-RU" dirty="0" smtClean="0">
-              <a:solidFill>
-                <a:schemeClr val="accent2"/>
-              </a:solidFill>
-              <a:latin typeface="Consolas" panose="020B0609020204030204" pitchFamily="49" charset="0"/>
-            </a:endParaRPr>
-          </a:p>
-          <a:p>
-            <a:pPr marL="0" indent="0">
-              <a:buNone/>
-            </a:pPr>
-            <a:endParaRPr lang="en-US" dirty="0" smtClean="0">
-              <a:latin typeface="Consolas" panose="020B0609020204030204" pitchFamily="49" charset="0"/>
-            </a:endParaRPr>
-          </a:p>
-          <a:p>
-            <a:pPr marL="0" indent="0">
-              <a:buNone/>
-            </a:pPr>
-            <a:r>
-              <a:rPr lang="ru-RU" dirty="0" smtClean="0">
-                <a:latin typeface="Consolas" panose="020B0609020204030204" pitchFamily="49" charset="0"/>
-              </a:rPr>
-              <a:t>  </a:t>
-            </a:r>
-            <a:r>
-              <a:rPr lang="en-US" dirty="0" err="1" smtClean="0">
-                <a:solidFill>
-                  <a:schemeClr val="accent2"/>
-                </a:solidFill>
-                <a:latin typeface="Consolas" panose="020B0609020204030204" pitchFamily="49" charset="0"/>
-              </a:rPr>
-              <a:t>def</a:t>
-            </a:r>
-            <a:r>
-              <a:rPr lang="en-US" dirty="0" smtClean="0">
-                <a:solidFill>
-                  <a:schemeClr val="accent2"/>
-                </a:solidFill>
-                <a:latin typeface="Consolas" panose="020B0609020204030204" pitchFamily="49" charset="0"/>
-              </a:rPr>
-              <a:t> put(self, something):</a:t>
-            </a:r>
-          </a:p>
-          <a:p>
-            <a:pPr marL="0" indent="0">
-              <a:buNone/>
-            </a:pPr>
-            <a:r>
-              <a:rPr lang="en-US" dirty="0">
-                <a:solidFill>
-                  <a:schemeClr val="accent2"/>
-                </a:solidFill>
-                <a:latin typeface="Consolas" panose="020B0609020204030204" pitchFamily="49" charset="0"/>
-              </a:rPr>
-              <a:t> </a:t>
-            </a:r>
-            <a:r>
-              <a:rPr lang="en-US" dirty="0" smtClean="0">
-                <a:solidFill>
-                  <a:schemeClr val="accent2"/>
-                </a:solidFill>
-                <a:latin typeface="Consolas" panose="020B0609020204030204" pitchFamily="49" charset="0"/>
-              </a:rPr>
-              <a:t>   </a:t>
-            </a:r>
-            <a:r>
-              <a:rPr lang="en-US" dirty="0" err="1" smtClean="0">
-                <a:solidFill>
-                  <a:schemeClr val="accent2"/>
-                </a:solidFill>
-                <a:latin typeface="Consolas" panose="020B0609020204030204" pitchFamily="49" charset="0"/>
-              </a:rPr>
-              <a:t>self.content</a:t>
-            </a:r>
-            <a:r>
-              <a:rPr lang="en-US" dirty="0" smtClean="0">
-                <a:solidFill>
-                  <a:schemeClr val="accent2"/>
-                </a:solidFill>
-                <a:latin typeface="Consolas" panose="020B0609020204030204" pitchFamily="49" charset="0"/>
-              </a:rPr>
-              <a:t> = something</a:t>
-            </a:r>
-          </a:p>
-          <a:p>
-            <a:pPr marL="0" indent="0">
-              <a:buNone/>
-            </a:pPr>
-            <a:endParaRPr lang="en-US" dirty="0">
-              <a:solidFill>
-                <a:schemeClr val="accent2"/>
-              </a:solidFill>
-              <a:latin typeface="Consolas" panose="020B0609020204030204" pitchFamily="49" charset="0"/>
-            </a:endParaRPr>
-          </a:p>
-          <a:p>
-            <a:pPr marL="0" indent="0">
-              <a:buNone/>
-            </a:pPr>
-            <a:r>
-              <a:rPr lang="en-US" dirty="0" smtClean="0">
-                <a:latin typeface="Consolas" panose="020B0609020204030204" pitchFamily="49" charset="0"/>
-              </a:rPr>
-              <a:t>box = Box(20, 'black')</a:t>
-            </a:r>
-          </a:p>
-          <a:p>
-            <a:pPr marL="0" indent="0">
-              <a:buNone/>
-            </a:pPr>
-            <a:r>
-              <a:rPr lang="en-US" dirty="0" err="1" smtClean="0">
-                <a:latin typeface="Consolas" panose="020B0609020204030204" pitchFamily="49" charset="0"/>
-              </a:rPr>
-              <a:t>box.put</a:t>
-            </a:r>
-            <a:r>
-              <a:rPr lang="en-US" dirty="0" smtClean="0">
-                <a:latin typeface="Consolas" panose="020B0609020204030204" pitchFamily="49" charset="0"/>
-              </a:rPr>
-              <a:t>('present')</a:t>
-            </a:r>
-          </a:p>
-          <a:p>
-            <a:pPr marL="0" indent="0">
-              <a:buNone/>
-            </a:pPr>
-            <a:endParaRPr lang="en-US" dirty="0" smtClean="0">
-              <a:latin typeface="Consolas" panose="020B0609020204030204" pitchFamily="49" charset="0"/>
-            </a:endParaRPr>
-          </a:p>
-        </p:txBody>
-      </p:sp>
-    </p:spTree>
-    <p:extLst>
-      <p:ext uri="{BB962C8B-B14F-4D97-AF65-F5344CB8AC3E}">
-        <p14:creationId xmlns:p14="http://schemas.microsoft.com/office/powerpoint/2010/main" val="2954305664"/>
-      </p:ext>
-    </p:extLst>
-  </p:cSld>
-  <p:clrMapOvr>
-    <a:masterClrMapping/>
-  </p:clrMapOvr>
-  <p:timing>
-    <p:tnLst>
-      <p:par>
-        <p:cTn id="1" dur="indefinite" restart="never" nodeType="tmRoot"/>
-      </p:par>
-    </p:tnLst>
-  </p:timing>
-</p:sld>
-</file>
-
-<file path=ppt/slides/slide14.xml><?xml version="1.0" encoding="utf-8"?>
-<p:sld xmlns:a="http://schemas.openxmlformats.org/drawingml/2006/main" xmlns:r="http://schemas.openxmlformats.org/officeDocument/2006/relationships" xmlns:p="http://schemas.openxmlformats.org/presentationml/2006/main">
-  <p:cSld>
-    <p:spTree>
-      <p:nvGrpSpPr>
-        <p:cNvPr id="1" name=""/>
-        <p:cNvGrpSpPr/>
-        <p:nvPr/>
-      </p:nvGrpSpPr>
-      <p:grpSpPr>
-        <a:xfrm>
-          <a:off x="0" y="0"/>
-          <a:ext cx="0" cy="0"/>
-          <a:chOff x="0" y="0"/>
-          <a:chExt cx="0" cy="0"/>
-        </a:xfrm>
-      </p:grpSpPr>
-      <p:sp>
-        <p:nvSpPr>
-          <p:cNvPr id="2" name="Заголовок 1"/>
-          <p:cNvSpPr>
-            <a:spLocks noGrp="1"/>
-          </p:cNvSpPr>
-          <p:nvPr>
-            <p:ph type="title"/>
-          </p:nvPr>
-        </p:nvSpPr>
-        <p:spPr/>
-        <p:txBody>
-          <a:bodyPr/>
-          <a:lstStyle/>
-          <a:p>
-            <a:r>
-              <a:rPr lang="ru-RU" dirty="0"/>
-              <a:t>Объекты в </a:t>
-            </a:r>
-            <a:r>
-              <a:rPr lang="en-US" dirty="0"/>
-              <a:t>Python</a:t>
-            </a:r>
-            <a:endParaRPr lang="ru-RU" dirty="0"/>
-          </a:p>
-        </p:txBody>
-      </p:sp>
-      <p:sp>
-        <p:nvSpPr>
-          <p:cNvPr id="3" name="Объект 2"/>
-          <p:cNvSpPr>
-            <a:spLocks noGrp="1"/>
-          </p:cNvSpPr>
-          <p:nvPr>
-            <p:ph idx="1"/>
-          </p:nvPr>
-        </p:nvSpPr>
-        <p:spPr>
-          <a:xfrm>
-            <a:off x="623887" y="1592263"/>
-            <a:ext cx="10980737" cy="4937629"/>
-          </a:xfrm>
-        </p:spPr>
-        <p:txBody>
-          <a:bodyPr/>
-          <a:lstStyle/>
-          <a:p>
-            <a:pPr marL="0" indent="0">
-              <a:buNone/>
-            </a:pPr>
-            <a:r>
-              <a:rPr lang="en-US" dirty="0" smtClean="0">
-                <a:latin typeface="Consolas" panose="020B0609020204030204" pitchFamily="49" charset="0"/>
-              </a:rPr>
-              <a:t>class Box:</a:t>
-            </a:r>
-          </a:p>
-          <a:p>
-            <a:pPr marL="0" indent="0">
-              <a:buNone/>
-            </a:pPr>
-            <a:r>
-              <a:rPr lang="en-US" dirty="0">
-                <a:latin typeface="Consolas" panose="020B0609020204030204" pitchFamily="49" charset="0"/>
-              </a:rPr>
-              <a:t> </a:t>
-            </a:r>
-            <a:r>
-              <a:rPr lang="en-US" dirty="0" smtClean="0">
-                <a:latin typeface="Consolas" panose="020B0609020204030204" pitchFamily="49" charset="0"/>
-              </a:rPr>
-              <a:t> </a:t>
-            </a:r>
-            <a:r>
-              <a:rPr lang="en-US" dirty="0" err="1" smtClean="0">
-                <a:latin typeface="Consolas" panose="020B0609020204030204" pitchFamily="49" charset="0"/>
-              </a:rPr>
-              <a:t>def</a:t>
-            </a:r>
-            <a:r>
-              <a:rPr lang="en-US" dirty="0" smtClean="0">
-                <a:latin typeface="Consolas" panose="020B0609020204030204" pitchFamily="49" charset="0"/>
-              </a:rPr>
-              <a:t> __</a:t>
-            </a:r>
-            <a:r>
-              <a:rPr lang="en-US" dirty="0" err="1" smtClean="0">
-                <a:latin typeface="Consolas" panose="020B0609020204030204" pitchFamily="49" charset="0"/>
-              </a:rPr>
-              <a:t>init</a:t>
-            </a:r>
-            <a:r>
-              <a:rPr lang="en-US" dirty="0" smtClean="0">
-                <a:latin typeface="Consolas" panose="020B0609020204030204" pitchFamily="49" charset="0"/>
-              </a:rPr>
-              <a:t>__(self, color):</a:t>
-            </a:r>
-          </a:p>
-          <a:p>
-            <a:pPr marL="0" indent="0">
-              <a:buNone/>
-            </a:pPr>
-            <a:r>
-              <a:rPr lang="en-US" dirty="0" smtClean="0">
-                <a:latin typeface="Consolas" panose="020B0609020204030204" pitchFamily="49" charset="0"/>
-              </a:rPr>
-              <a:t>    </a:t>
-            </a:r>
-            <a:r>
-              <a:rPr lang="en-US" dirty="0" err="1" smtClean="0">
-                <a:latin typeface="Consolas" panose="020B0609020204030204" pitchFamily="49" charset="0"/>
-              </a:rPr>
-              <a:t>self.color</a:t>
-            </a:r>
-            <a:r>
-              <a:rPr lang="en-US" dirty="0" smtClean="0">
-                <a:latin typeface="Consolas" panose="020B0609020204030204" pitchFamily="49" charset="0"/>
-              </a:rPr>
-              <a:t> = color</a:t>
-            </a:r>
-          </a:p>
-          <a:p>
-            <a:pPr marL="0" indent="0">
-              <a:buNone/>
-            </a:pPr>
-            <a:endParaRPr lang="en-US" dirty="0" smtClean="0">
-              <a:latin typeface="Consolas" panose="020B0609020204030204" pitchFamily="49" charset="0"/>
-            </a:endParaRPr>
-          </a:p>
-          <a:p>
-            <a:pPr marL="0" indent="0">
-              <a:buNone/>
-            </a:pPr>
-            <a:r>
-              <a:rPr lang="ru-RU" dirty="0" smtClean="0">
-                <a:latin typeface="Consolas" panose="020B0609020204030204" pitchFamily="49" charset="0"/>
-              </a:rPr>
-              <a:t>  </a:t>
-            </a:r>
-            <a:r>
-              <a:rPr lang="en-US" dirty="0" err="1" smtClean="0">
-                <a:solidFill>
-                  <a:schemeClr val="accent2"/>
-                </a:solidFill>
-                <a:latin typeface="Consolas" panose="020B0609020204030204" pitchFamily="49" charset="0"/>
-              </a:rPr>
-              <a:t>def</a:t>
-            </a:r>
-            <a:r>
-              <a:rPr lang="en-US" dirty="0" smtClean="0">
-                <a:solidFill>
-                  <a:schemeClr val="accent2"/>
-                </a:solidFill>
-                <a:latin typeface="Consolas" panose="020B0609020204030204" pitchFamily="49" charset="0"/>
-              </a:rPr>
-              <a:t> __</a:t>
-            </a:r>
-            <a:r>
-              <a:rPr lang="en-US" dirty="0" err="1" smtClean="0">
-                <a:solidFill>
-                  <a:schemeClr val="accent2"/>
-                </a:solidFill>
-                <a:latin typeface="Consolas" panose="020B0609020204030204" pitchFamily="49" charset="0"/>
-              </a:rPr>
-              <a:t>str</a:t>
-            </a:r>
-            <a:r>
-              <a:rPr lang="en-US" dirty="0" smtClean="0">
-                <a:solidFill>
-                  <a:schemeClr val="accent2"/>
-                </a:solidFill>
-                <a:latin typeface="Consolas" panose="020B0609020204030204" pitchFamily="49" charset="0"/>
-              </a:rPr>
-              <a:t>__(self):</a:t>
-            </a:r>
-          </a:p>
-          <a:p>
-            <a:pPr marL="0" indent="0">
-              <a:buNone/>
-            </a:pPr>
-            <a:r>
-              <a:rPr lang="en-US" dirty="0">
-                <a:solidFill>
-                  <a:schemeClr val="accent2"/>
-                </a:solidFill>
-                <a:latin typeface="Consolas" panose="020B0609020204030204" pitchFamily="49" charset="0"/>
-              </a:rPr>
-              <a:t> </a:t>
-            </a:r>
-            <a:r>
-              <a:rPr lang="en-US" dirty="0" smtClean="0">
-                <a:solidFill>
-                  <a:schemeClr val="accent2"/>
-                </a:solidFill>
-                <a:latin typeface="Consolas" panose="020B0609020204030204" pitchFamily="49" charset="0"/>
-              </a:rPr>
-              <a:t>   return f'{color} box'</a:t>
-            </a:r>
-          </a:p>
-          <a:p>
-            <a:pPr marL="0" indent="0">
-              <a:buNone/>
-            </a:pPr>
-            <a:endParaRPr lang="en-US" dirty="0">
-              <a:latin typeface="Consolas" panose="020B0609020204030204" pitchFamily="49" charset="0"/>
-            </a:endParaRPr>
-          </a:p>
-          <a:p>
-            <a:pPr marL="0" indent="0">
-              <a:buNone/>
-            </a:pPr>
-            <a:r>
-              <a:rPr lang="en-US" dirty="0" smtClean="0">
-                <a:latin typeface="Consolas" panose="020B0609020204030204" pitchFamily="49" charset="0"/>
-              </a:rPr>
-              <a:t>box = Box('black')</a:t>
-            </a:r>
-          </a:p>
-          <a:p>
-            <a:pPr marL="0" indent="0">
-              <a:buNone/>
-            </a:pPr>
-            <a:r>
-              <a:rPr lang="en-US" dirty="0" smtClean="0">
-                <a:latin typeface="Consolas" panose="020B0609020204030204" pitchFamily="49" charset="0"/>
-              </a:rPr>
-              <a:t>print(box) # 'black box'</a:t>
-            </a:r>
-          </a:p>
-          <a:p>
-            <a:pPr marL="0" indent="0">
-              <a:buNone/>
-            </a:pPr>
-            <a:r>
-              <a:rPr lang="en-US" dirty="0" smtClean="0">
-                <a:latin typeface="Consolas" panose="020B0609020204030204" pitchFamily="49" charset="0"/>
-              </a:rPr>
-              <a:t>s = </a:t>
-            </a:r>
-            <a:r>
-              <a:rPr lang="en-US" dirty="0" err="1" smtClean="0">
-                <a:latin typeface="Consolas" panose="020B0609020204030204" pitchFamily="49" charset="0"/>
-              </a:rPr>
-              <a:t>str</a:t>
-            </a:r>
-            <a:r>
-              <a:rPr lang="en-US" dirty="0" smtClean="0">
-                <a:latin typeface="Consolas" panose="020B0609020204030204" pitchFamily="49" charset="0"/>
-              </a:rPr>
-              <a:t>(box) # 'black box'</a:t>
-            </a:r>
-          </a:p>
-        </p:txBody>
-      </p:sp>
-    </p:spTree>
-    <p:extLst>
-      <p:ext uri="{BB962C8B-B14F-4D97-AF65-F5344CB8AC3E}">
-        <p14:creationId xmlns:p14="http://schemas.microsoft.com/office/powerpoint/2010/main" val="3457699650"/>
-      </p:ext>
-    </p:extLst>
-  </p:cSld>
-  <p:clrMapOvr>
-    <a:masterClrMapping/>
-  </p:clrMapOvr>
-  <p:timing>
-    <p:tnLst>
-      <p:par>
-        <p:cTn id="1" dur="indefinite" restart="never" nodeType="tmRoot"/>
-      </p:par>
-    </p:tnLst>
-  </p:timing>
-</p:sld>
-</file>
-
-<file path=ppt/slides/slide15.xml><?xml version="1.0" encoding="utf-8"?>
-<p:sld xmlns:a="http://schemas.openxmlformats.org/drawingml/2006/main" xmlns:r="http://schemas.openxmlformats.org/officeDocument/2006/relationships" xmlns:p="http://schemas.openxmlformats.org/presentationml/2006/main">
-  <p:cSld>
-    <p:spTree>
-      <p:nvGrpSpPr>
-        <p:cNvPr id="1" name=""/>
-        <p:cNvGrpSpPr/>
-        <p:nvPr/>
-      </p:nvGrpSpPr>
-      <p:grpSpPr>
-        <a:xfrm>
-          <a:off x="0" y="0"/>
-          <a:ext cx="0" cy="0"/>
-          <a:chOff x="0" y="0"/>
-          <a:chExt cx="0" cy="0"/>
-        </a:xfrm>
-      </p:grpSpPr>
-      <p:sp>
-        <p:nvSpPr>
-          <p:cNvPr id="2" name="Заголовок 1"/>
-          <p:cNvSpPr>
-            <a:spLocks noGrp="1"/>
-          </p:cNvSpPr>
-          <p:nvPr>
-            <p:ph type="title"/>
-          </p:nvPr>
-        </p:nvSpPr>
-        <p:spPr/>
-        <p:txBody>
-          <a:bodyPr/>
-          <a:lstStyle/>
-          <a:p>
-            <a:r>
-              <a:rPr lang="ru-RU" dirty="0"/>
-              <a:t>Состояние игры </a:t>
-            </a:r>
-            <a:r>
-              <a:rPr lang="en-US" dirty="0"/>
-              <a:t>Search Race</a:t>
+              <a:rPr lang="ru-RU" dirty="0" smtClean="0"/>
+              <a:t>Оценка состояния</a:t>
             </a:r>
             <a:endParaRPr lang="ru-RU" dirty="0"/>
           </a:p>
@@ -5167,48 +4261,31 @@
           <a:lstStyle/>
           <a:p>
             <a:r>
-              <a:rPr lang="en-US" dirty="0" smtClean="0"/>
-              <a:t>x, y, </a:t>
-            </a:r>
-            <a:r>
-              <a:rPr lang="en-US" dirty="0" err="1" smtClean="0"/>
-              <a:t>vx</a:t>
-            </a:r>
-            <a:r>
-              <a:rPr lang="en-US" dirty="0" smtClean="0"/>
-              <a:t>, </a:t>
-            </a:r>
-            <a:r>
-              <a:rPr lang="en-US" dirty="0" err="1" smtClean="0"/>
-              <a:t>vy</a:t>
-            </a:r>
-            <a:r>
-              <a:rPr lang="en-US" dirty="0" smtClean="0"/>
-              <a:t>, angle</a:t>
-            </a:r>
-            <a:endParaRPr lang="ru-RU" dirty="0" smtClean="0"/>
-          </a:p>
-          <a:p>
-            <a:r>
               <a:rPr lang="ru-RU" dirty="0" smtClean="0"/>
-              <a:t>Номер следующего </a:t>
-            </a:r>
-            <a:r>
-              <a:rPr lang="ru-RU" dirty="0" err="1" smtClean="0"/>
-              <a:t>чекпоинта</a:t>
-            </a:r>
-            <a:endParaRPr lang="en-US" dirty="0" smtClean="0"/>
-          </a:p>
-          <a:p>
-            <a:r>
-              <a:rPr lang="ru-RU" dirty="0" smtClean="0"/>
-              <a:t>Список </a:t>
+              <a:t>Чем больше взяли </a:t>
             </a:r>
             <a:r>
               <a:rPr lang="ru-RU" dirty="0" err="1" smtClean="0"/>
               <a:t>чекпоинтов</a:t>
             </a:r>
-            <a:endParaRPr lang="ru-RU" dirty="0" smtClean="0"/>
+            <a:r>
+              <a:rPr lang="ru-RU" dirty="0" smtClean="0"/>
+              <a:t>, тем лучше</a:t>
+            </a:r>
+          </a:p>
+          <a:p>
+            <a:r>
+              <a:rPr lang="ru-RU" dirty="0" smtClean="0"/>
+              <a:t>Чем ближе к следующему </a:t>
+            </a:r>
+            <a:r>
+              <a:rPr lang="ru-RU" dirty="0" err="1" smtClean="0"/>
+              <a:t>чекпоинту</a:t>
+            </a:r>
+            <a:r>
+              <a:rPr lang="ru-RU" dirty="0" smtClean="0"/>
+              <a:t>, тем лучше</a:t>
+            </a:r>
           </a:p>
           <a:p>
             <a:endParaRPr lang="ru-RU" dirty="0"/>
@@ -5220,310 +4297,6 @@
             <a:endParaRPr lang="ru-RU" dirty="0" smtClean="0"/>
           </a:p>
           <a:p>
-            <a:pPr marL="0" indent="0" algn="ctr">
-              <a:buNone/>
-            </a:pPr>
-            <a:r>
-              <a:rPr lang="ru-RU" sz="4400" b="1" dirty="0" smtClean="0"/>
-              <a:t>Смотрим </a:t>
-            </a:r>
-            <a:r>
-              <a:rPr lang="ru-RU" sz="4400" b="1" dirty="0" smtClean="0"/>
-              <a:t>код</a:t>
-            </a:r>
-            <a:br>
-              <a:rPr lang="ru-RU" sz="4400" b="1" dirty="0" smtClean="0"/>
-            </a:br>
-            <a:r>
-              <a:rPr lang="en-US" dirty="0">
-                <a:hlinkClick r:id="rId3"/>
-              </a:rPr>
-              <a:t>https://github.com/game-ai-course/game-ai-school</a:t>
-            </a:r>
-            <a:r>
-              <a:rPr lang="ru-RU" dirty="0"/>
-              <a:t> </a:t>
-            </a:r>
-          </a:p>
-          <a:p>
-            <a:pPr marL="0" indent="0">
-              <a:buNone/>
-            </a:pPr>
-            <a:endParaRPr lang="ru-RU" b="1" dirty="0" smtClean="0"/>
-          </a:p>
-          <a:p>
-            <a:endParaRPr lang="ru-RU" dirty="0"/>
-          </a:p>
-        </p:txBody>
-      </p:sp>
-    </p:spTree>
-    <p:extLst>
-      <p:ext uri="{BB962C8B-B14F-4D97-AF65-F5344CB8AC3E}">
-        <p14:creationId xmlns:p14="http://schemas.microsoft.com/office/powerpoint/2010/main" val="276831511"/>
-      </p:ext>
-    </p:extLst>
-  </p:cSld>
-  <p:clrMapOvr>
-    <a:masterClrMapping/>
-  </p:clrMapOvr>
-  <p:timing>
-    <p:tnLst>
-      <p:par>
-        <p:cTn id="1" dur="indefinite" restart="never" nodeType="tmRoot"/>
-      </p:par>
-    </p:tnLst>
-  </p:timing>
-</p:sld>
-</file>
-
-<file path=ppt/slides/slide16.xml><?xml version="1.0" encoding="utf-8"?>
-<p:sld xmlns:a="http://schemas.openxmlformats.org/drawingml/2006/main" xmlns:r="http://schemas.openxmlformats.org/officeDocument/2006/relationships" xmlns:p="http://schemas.openxmlformats.org/presentationml/2006/main">
-  <p:cSld>
-    <p:spTree>
-      <p:nvGrpSpPr>
-        <p:cNvPr id="1" name=""/>
-        <p:cNvGrpSpPr/>
-        <p:nvPr/>
-      </p:nvGrpSpPr>
-      <p:grpSpPr>
-        <a:xfrm>
-          <a:off x="0" y="0"/>
-          <a:ext cx="0" cy="0"/>
-          <a:chOff x="0" y="0"/>
-          <a:chExt cx="0" cy="0"/>
-        </a:xfrm>
-      </p:grpSpPr>
-      <p:sp>
-        <p:nvSpPr>
-          <p:cNvPr id="2" name="Заголовок 1"/>
-          <p:cNvSpPr>
-            <a:spLocks noGrp="1"/>
-          </p:cNvSpPr>
-          <p:nvPr>
-            <p:ph type="title"/>
-          </p:nvPr>
-        </p:nvSpPr>
-        <p:spPr/>
-        <p:txBody>
-          <a:bodyPr/>
-          <a:lstStyle/>
-          <a:p>
-            <a:r>
-              <a:rPr lang="ru-RU" dirty="0"/>
-              <a:t>Составляющие решения</a:t>
-            </a:r>
-          </a:p>
-        </p:txBody>
-      </p:sp>
-      <p:sp>
-        <p:nvSpPr>
-          <p:cNvPr id="3" name="Объект 2"/>
-          <p:cNvSpPr>
-            <a:spLocks noGrp="1"/>
-          </p:cNvSpPr>
-          <p:nvPr>
-            <p:ph idx="1"/>
-          </p:nvPr>
-        </p:nvSpPr>
-        <p:spPr/>
-        <p:txBody>
-          <a:bodyPr/>
-          <a:lstStyle/>
-          <a:p>
-            <a:pPr>
-              <a:buFont typeface="+mj-lt"/>
-              <a:buAutoNum type="arabicPeriod"/>
-            </a:pPr>
-            <a:r>
-              <a:rPr lang="ru-RU" dirty="0"/>
-              <a:t>Симуляция</a:t>
-            </a:r>
-            <a:endParaRPr lang="en-US" dirty="0"/>
-          </a:p>
-          <a:p>
-            <a:pPr lvl="1">
-              <a:buFont typeface="+mj-lt"/>
-              <a:buAutoNum type="arabicPeriod"/>
-            </a:pPr>
-            <a:r>
-              <a:rPr lang="ru-RU" dirty="0"/>
-              <a:t>Всё состояние игры</a:t>
-            </a:r>
-          </a:p>
-          <a:p>
-            <a:pPr lvl="1">
-              <a:buFont typeface="+mj-lt"/>
-              <a:buAutoNum type="arabicPeriod"/>
-            </a:pPr>
-            <a:r>
-              <a:rPr lang="ru-RU" dirty="0"/>
-              <a:t>Применение одного хода</a:t>
-            </a:r>
-          </a:p>
-          <a:p>
-            <a:pPr lvl="1">
-              <a:buFont typeface="+mj-lt"/>
-              <a:buAutoNum type="arabicPeriod"/>
-            </a:pPr>
-            <a:r>
-              <a:rPr lang="en-US" dirty="0" smtClean="0"/>
-              <a:t>[</a:t>
-            </a:r>
-            <a:r>
-              <a:rPr lang="ru-RU" dirty="0" smtClean="0"/>
-              <a:t> Получение списка доступных ходов </a:t>
-            </a:r>
-            <a:r>
-              <a:rPr lang="en-US" dirty="0" smtClean="0"/>
-              <a:t>]</a:t>
-            </a:r>
-            <a:endParaRPr lang="en-US" dirty="0"/>
-          </a:p>
-          <a:p>
-            <a:pPr>
-              <a:buFont typeface="+mj-lt"/>
-              <a:buAutoNum type="arabicPeriod"/>
-            </a:pPr>
-            <a:r>
-              <a:rPr lang="ru-RU" b="1" dirty="0">
-                <a:solidFill>
-                  <a:schemeClr val="accent2"/>
-                </a:solidFill>
-              </a:rPr>
-              <a:t>Оценка состояния</a:t>
-            </a:r>
-          </a:p>
-          <a:p>
-            <a:pPr>
-              <a:buFont typeface="+mj-lt"/>
-              <a:buAutoNum type="arabicPeriod"/>
-            </a:pPr>
-            <a:r>
-              <a:rPr lang="ru-RU" dirty="0"/>
-              <a:t>Алгоритм поиска долгосрочной стратегии</a:t>
-            </a:r>
-          </a:p>
-          <a:p>
-            <a:pPr lvl="1">
-              <a:buFont typeface="+mj-lt"/>
-              <a:buAutoNum type="arabicPeriod"/>
-            </a:pPr>
-            <a:endParaRPr lang="ru-RU" dirty="0"/>
-          </a:p>
-        </p:txBody>
-      </p:sp>
-    </p:spTree>
-    <p:extLst>
-      <p:ext uri="{BB962C8B-B14F-4D97-AF65-F5344CB8AC3E}">
-        <p14:creationId xmlns:p14="http://schemas.microsoft.com/office/powerpoint/2010/main" val="4024650536"/>
-      </p:ext>
-    </p:extLst>
-  </p:cSld>
-  <p:clrMapOvr>
-    <a:masterClrMapping/>
-  </p:clrMapOvr>
-  <p:timing>
-    <p:tnLst>
-      <p:par>
-        <p:cTn id="1" dur="indefinite" restart="never" nodeType="tmRoot"/>
-      </p:par>
-    </p:tnLst>
-  </p:timing>
-</p:sld>
-</file>
-
-<file path=ppt/slides/slide17.xml><?xml version="1.0" encoding="utf-8"?>
-<p:sld xmlns:a="http://schemas.openxmlformats.org/drawingml/2006/main" xmlns:r="http://schemas.openxmlformats.org/officeDocument/2006/relationships" xmlns:p="http://schemas.openxmlformats.org/presentationml/2006/main">
-  <p:cSld>
-    <p:spTree>
-      <p:nvGrpSpPr>
-        <p:cNvPr id="1" name=""/>
-        <p:cNvGrpSpPr/>
-        <p:nvPr/>
-      </p:nvGrpSpPr>
-      <p:grpSpPr>
-        <a:xfrm>
-          <a:off x="0" y="0"/>
-          <a:ext cx="0" cy="0"/>
-          <a:chOff x="0" y="0"/>
-          <a:chExt cx="0" cy="0"/>
-        </a:xfrm>
-      </p:grpSpPr>
-      <p:sp>
-        <p:nvSpPr>
-          <p:cNvPr id="2" name="Заголовок 1"/>
-          <p:cNvSpPr>
-            <a:spLocks noGrp="1"/>
-          </p:cNvSpPr>
-          <p:nvPr>
-            <p:ph type="title"/>
-          </p:nvPr>
-        </p:nvSpPr>
-        <p:spPr/>
-        <p:txBody>
-          <a:bodyPr/>
-          <a:lstStyle/>
-          <a:p>
-            <a:r>
-              <a:rPr lang="ru-RU" dirty="0" smtClean="0"/>
-              <a:t>Оценка состояния</a:t>
-            </a:r>
-            <a:endParaRPr lang="ru-RU" dirty="0"/>
-          </a:p>
-        </p:txBody>
-      </p:sp>
-      <p:sp>
-        <p:nvSpPr>
-          <p:cNvPr id="3" name="Объект 2"/>
-          <p:cNvSpPr>
-            <a:spLocks noGrp="1"/>
-          </p:cNvSpPr>
-          <p:nvPr>
-            <p:ph idx="1"/>
-          </p:nvPr>
-        </p:nvSpPr>
-        <p:spPr/>
-        <p:txBody>
-          <a:bodyPr/>
-          <a:lstStyle/>
-          <a:p>
-            <a:r>
-              <a:rPr lang="ru-RU" dirty="0" smtClean="0"/>
-              <a:t>Чем больше взяли </a:t>
-            </a:r>
-            <a:r>
-              <a:rPr lang="ru-RU" dirty="0" err="1" smtClean="0"/>
-              <a:t>чекпоинтов</a:t>
-            </a:r>
-            <a:r>
-              <a:rPr lang="ru-RU" dirty="0" smtClean="0"/>
-              <a:t>, тем лучше</a:t>
-            </a:r>
-          </a:p>
-          <a:p>
-            <a:r>
-              <a:rPr lang="ru-RU" dirty="0" smtClean="0"/>
-              <a:t>Чем ближе к следующему </a:t>
-            </a:r>
-            <a:r>
-              <a:rPr lang="ru-RU" dirty="0" err="1" smtClean="0"/>
-              <a:t>чекпоинту</a:t>
-            </a:r>
-            <a:r>
-              <a:rPr lang="ru-RU" dirty="0" smtClean="0"/>
-              <a:t>, тем лучше</a:t>
-            </a:r>
-          </a:p>
-          <a:p>
-            <a:endParaRPr lang="ru-RU" dirty="0"/>
-          </a:p>
-          <a:p>
-            <a:pPr marL="0" indent="0">
-              <a:buNone/>
-            </a:pPr>
-            <a:endParaRPr lang="ru-RU" dirty="0" smtClean="0"/>
-          </a:p>
-          <a:p>
             <a:pPr marL="0" indent="0">
               <a:buNone/>
             </a:pPr>
@@ -5549,7 +4322,19 @@
               <a:rPr lang="en-US" dirty="0" smtClean="0">
                 <a:latin typeface="Consolas" panose="020B0609020204030204" pitchFamily="49" charset="0"/>
               </a:rPr>
-              <a:t>* 1000 - </a:t>
+              <a:t>* </a:t>
+            </a:r>
+            <a:r>
+              <a:rPr lang="ru-RU" dirty="0" smtClean="0">
+                <a:latin typeface="Consolas" panose="020B0609020204030204" pitchFamily="49" charset="0"/>
+              </a:rPr>
+              <a:t>МНОГО</a:t>
+            </a:r>
+            <a:r>
+              <a:rPr lang="en-US" dirty="0" smtClean="0">
+                <a:latin typeface="Consolas" panose="020B0609020204030204" pitchFamily="49" charset="0"/>
+              </a:rPr>
+              <a:t> - </a:t>
             </a:r>
             <a:r>
               <a:rPr lang="en-US" dirty="0" err="1" smtClean="0">
@@ -5756,7 +4541,7 @@
 </p:sld>
 </file>
 
-<file path=ppt/slides/slide18.xml><?xml version="1.0" encoding="utf-8"?>
+<file path=ppt/slides/slide14.xml><?xml version="1.0" encoding="utf-8"?>
 <p:sld xmlns:a="http://schemas.openxmlformats.org/drawingml/2006/main" xmlns:r="http://schemas.openxmlformats.org/officeDocument/2006/relationships" xmlns:p="http://schemas.openxmlformats.org/presentationml/2006/main">
   <p:cSld>
     <p:spTree>
@@ -5912,7 +4697,7 @@
 </p:sld>
 </file>
 
-<file path=ppt/slides/slide19.xml><?xml version="1.0" encoding="utf-8"?>
+<file path=ppt/slides/slide15.xml><?xml version="1.0" encoding="utf-8"?>
 <p:sld xmlns:a="http://schemas.openxmlformats.org/drawingml/2006/main" xmlns:r="http://schemas.openxmlformats.org/officeDocument/2006/relationships" xmlns:p="http://schemas.openxmlformats.org/presentationml/2006/main">
   <p:cSld>
     <p:spTree>
@@ -6360,7 +5145,7 @@
 </p:sld>
 </file>
 
-<file path=ppt/slides/slide2.xml><?xml version="1.0" encoding="utf-8"?>
+<file path=ppt/slides/slide16.xml><?xml version="1.0" encoding="utf-8"?>
 <p:sld xmlns:a="http://schemas.openxmlformats.org/drawingml/2006/main" xmlns:r="http://schemas.openxmlformats.org/officeDocument/2006/relationships" xmlns:p="http://schemas.openxmlformats.org/presentationml/2006/main">
   <p:cSld>
     <p:spTree>
@@ -6379,7 +5164,7 @@
       </p:grpSpPr>
       <p:sp>
         <p:nvSpPr>
-          <p:cNvPr id="4" name="Заголовок 3"/>
+          <p:cNvPr id="2" name="Заголовок 1"/>
           <p:cNvSpPr>
             <a:spLocks noGrp="1"/>
           </p:cNvSpPr>
@@ -6387,23 +5172,111 @@
             <p:ph type="title"/>
           </p:nvPr>
         </p:nvSpPr>
-        <p:spPr/>
+        <p:spPr>
+          <a:xfrm>
+            <a:off x="-185814" y="-633907"/>
+            <a:ext cx="12914485" cy="2877834"/>
+          </a:xfrm>
+        </p:spPr>
+        <p:txBody>
+          <a:bodyPr>
+            <a:noAutofit/>
+          </a:bodyPr>
+          <a:lstStyle/>
+          <a:p>
+            <a:r>
+              <a:rPr lang="ru-RU" dirty="0" smtClean="0"/>
+              <a:t>Практика</a:t>
+            </a:r>
+            <a:endParaRPr lang="ru-RU" dirty="0"/>
+          </a:p>
+        </p:txBody>
+      </p:sp>
+      <p:sp>
+        <p:nvSpPr>
+          <p:cNvPr id="3" name="Объект 2"/>
+          <p:cNvSpPr>
+            <a:spLocks noGrp="1"/>
+          </p:cNvSpPr>
+          <p:nvPr>
+            <p:ph idx="1"/>
+          </p:nvPr>
+        </p:nvSpPr>
+        <p:spPr>
+          <a:xfrm>
+            <a:off x="623887" y="2535637"/>
+            <a:ext cx="11128559" cy="3593701"/>
+          </a:xfrm>
+        </p:spPr>
         <p:txBody>
           <a:bodyPr/>
           <a:lstStyle/>
           <a:p>
+            <a:pPr marL="0" indent="0">
+              <a:buNone/>
+            </a:pPr>
+            <a:r>
+              <a:rPr lang="ru-RU" dirty="0"/>
+              <a:t>Реализуйте алгоритм </a:t>
+            </a:r>
+            <a:r>
+              <a:rPr lang="en-US" dirty="0"/>
+              <a:t>Monte </a:t>
+            </a:r>
+            <a:r>
+              <a:rPr lang="en-US" dirty="0" smtClean="0"/>
+              <a:t>Carlo</a:t>
+            </a:r>
+            <a:endParaRPr lang="ru-RU" dirty="0"/>
+          </a:p>
+          <a:p>
+            <a:pPr marL="533400" lvl="1" indent="0">
+              <a:buNone/>
+            </a:pPr>
             <a:r>
               <a:rPr lang="ru-RU" dirty="0" smtClean="0"/>
-              <a:t>Организационное</a:t>
-            </a:r>
-            <a:endParaRPr lang="ru-RU" dirty="0"/>
+              <a:t>Начните </a:t>
+            </a:r>
+            <a:r>
+              <a:rPr lang="ru-RU" dirty="0"/>
+              <a:t>со стартового кода </a:t>
+            </a:r>
+            <a:r>
+              <a:rPr lang="ru-RU" dirty="0" smtClean="0"/>
+              <a:t>с </a:t>
+            </a:r>
+            <a:r>
+              <a:rPr lang="ru-RU" dirty="0" err="1" smtClean="0"/>
+              <a:t>реализацие</a:t>
+            </a:r>
+            <a:r>
+              <a:rPr lang="ru-RU" dirty="0" smtClean="0"/>
+              <a:t> симуляции </a:t>
+            </a:r>
+            <a:r>
+              <a:rPr lang="en-US" dirty="0" smtClean="0">
+                <a:hlinkClick r:id="rId2"/>
+              </a:rPr>
+              <a:t>https</a:t>
+            </a:r>
+            <a:r>
+              <a:rPr lang="en-US" dirty="0">
+                <a:hlinkClick r:id="rId2"/>
+              </a:rPr>
+              <a:t>://bit.ly/gameai22</a:t>
+            </a:r>
+            <a:r>
+              <a:rPr lang="en-US" dirty="0"/>
+              <a:t> </a:t>
+            </a:r>
+            <a:endParaRPr lang="en-US" dirty="0"/>
           </a:p>
         </p:txBody>
       </p:sp>
     </p:spTree>
     <p:extLst>
       <p:ext uri="{BB962C8B-B14F-4D97-AF65-F5344CB8AC3E}">
-        <p14:creationId xmlns:p14="http://schemas.microsoft.com/office/powerpoint/2010/main" val="1915168532"/>
+        <p14:creationId xmlns:p14="http://schemas.microsoft.com/office/powerpoint/2010/main" val="2024145813"/>
       </p:ext>
     </p:extLst>
   </p:cSld>
@@ -6420,7 +5293,7 @@
 </p:sld>
 </file>
 
-<file path=ppt/slides/slide20.xml><?xml version="1.0" encoding="utf-8"?>
+<file path=ppt/slides/slide17.xml><?xml version="1.0" encoding="utf-8"?>
 <p:sld xmlns:a="http://schemas.openxmlformats.org/drawingml/2006/main" xmlns:r="http://schemas.openxmlformats.org/officeDocument/2006/relationships" xmlns:p="http://schemas.openxmlformats.org/presentationml/2006/main">
   <p:cSld>
     <p:spTree>
@@ -6612,7 +5485,7 @@
 </p:sld>
 </file>
 
-<file path=ppt/slides/slide21.xml><?xml version="1.0" encoding="utf-8"?>
+<file path=ppt/slides/slide18.xml><?xml version="1.0" encoding="utf-8"?>
 <p:sld xmlns:a="http://schemas.openxmlformats.org/drawingml/2006/main" xmlns:r="http://schemas.openxmlformats.org/officeDocument/2006/relationships" xmlns:p="http://schemas.openxmlformats.org/presentationml/2006/main">
   <p:cSld>
     <p:spTree>
@@ -7041,618 +5914,7 @@
 </p:sld>
 </file>
 
-<file path=ppt/slides/slide22.xml><?xml version="1.0" encoding="utf-8"?>
-<p:sld xmlns:a="http://schemas.openxmlformats.org/drawingml/2006/main" xmlns:r="http://schemas.openxmlformats.org/officeDocument/2006/relationships" xmlns:p="http://schemas.openxmlformats.org/presentationml/2006/main">
-  <p:cSld>
-    <p:spTree>
-      <p:nvGrpSpPr>
-        <p:cNvPr id="1" name=""/>
-        <p:cNvGrpSpPr/>
-        <p:nvPr/>
-      </p:nvGrpSpPr>
-      <p:grpSpPr>
-        <a:xfrm>
-          <a:off x="0" y="0"/>
-          <a:ext cx="0" cy="0"/>
-          <a:chOff x="0" y="0"/>
-          <a:chExt cx="0" cy="0"/>
-        </a:xfrm>
-      </p:grpSpPr>
-      <p:sp>
-        <p:nvSpPr>
-          <p:cNvPr id="2" name="Заголовок 1"/>
-          <p:cNvSpPr>
-            <a:spLocks noGrp="1"/>
-          </p:cNvSpPr>
-          <p:nvPr>
-            <p:ph type="title"/>
-          </p:nvPr>
-        </p:nvSpPr>
-        <p:spPr>
-          <a:xfrm>
-            <a:off x="-115504" y="-633907"/>
-            <a:ext cx="12844175" cy="2877834"/>
-          </a:xfrm>
-        </p:spPr>
-        <p:txBody>
-          <a:bodyPr>
-            <a:noAutofit/>
-          </a:bodyPr>
-          <a:lstStyle/>
-          <a:p>
-            <a:r>
-              <a:rPr lang="ru-RU" dirty="0" err="1"/>
-              <a:t>Домашка</a:t>
-            </a:r>
-            <a:endParaRPr lang="ru-RU" dirty="0"/>
-          </a:p>
-        </p:txBody>
-      </p:sp>
-      <p:sp>
-        <p:nvSpPr>
-          <p:cNvPr id="3" name="Объект 2"/>
-          <p:cNvSpPr>
-            <a:spLocks noGrp="1"/>
-          </p:cNvSpPr>
-          <p:nvPr>
-            <p:ph idx="1"/>
-          </p:nvPr>
-        </p:nvSpPr>
-        <p:spPr>
-          <a:xfrm>
-            <a:off x="623887" y="2535637"/>
-            <a:ext cx="11128559" cy="3593701"/>
-          </a:xfrm>
-        </p:spPr>
-        <p:txBody>
-          <a:bodyPr/>
-          <a:lstStyle/>
-          <a:p>
-            <a:pPr>
-              <a:buFont typeface="+mj-lt"/>
-              <a:buAutoNum type="arabicPeriod"/>
-            </a:pPr>
-            <a:r>
-              <a:rPr lang="ru-RU" dirty="0" smtClean="0"/>
-              <a:t>Возьмите стартовый код для алгоритма </a:t>
-            </a:r>
-            <a:r>
-              <a:rPr lang="en-US" dirty="0" smtClean="0"/>
-              <a:t>Monte Carlo </a:t>
-            </a:r>
-            <a:r>
-              <a:rPr lang="ru-RU" dirty="0" smtClean="0"/>
-              <a:t>вот тут: </a:t>
-            </a:r>
-            <a:br>
-              <a:rPr lang="ru-RU" dirty="0" smtClean="0"/>
-            </a:br>
-            <a:r>
-              <a:rPr lang="en-US" dirty="0" smtClean="0">
-                <a:hlinkClick r:id="rId2"/>
-              </a:rPr>
-              <a:t>https</a:t>
-            </a:r>
-            <a:r>
-              <a:rPr lang="en-US" dirty="0">
-                <a:hlinkClick r:id="rId2"/>
-              </a:rPr>
-              <a:t>://</a:t>
-            </a:r>
-            <a:r>
-              <a:rPr lang="en-US" dirty="0" smtClean="0">
-                <a:hlinkClick r:id="rId2"/>
-              </a:rPr>
-              <a:t>github.com/game-ai-course/game-ai-school</a:t>
-            </a:r>
-            <a:r>
-              <a:rPr lang="ru-RU" dirty="0" smtClean="0"/>
-              <a:t> </a:t>
-            </a:r>
-            <a:endParaRPr lang="ru-RU" dirty="0" smtClean="0"/>
-          </a:p>
-          <a:p>
-            <a:pPr>
-              <a:buFont typeface="+mj-lt"/>
-              <a:buAutoNum type="arabicPeriod"/>
-            </a:pPr>
-            <a:r>
-              <a:rPr lang="ru-RU" dirty="0" smtClean="0"/>
-              <a:t>Реализуйте алгоритм </a:t>
-            </a:r>
-            <a:r>
-              <a:rPr lang="en-US" dirty="0" smtClean="0"/>
-              <a:t>Monte Carlo</a:t>
-            </a:r>
-            <a:endParaRPr lang="ru-RU" dirty="0" smtClean="0"/>
-          </a:p>
-          <a:p>
-            <a:pPr>
-              <a:buFont typeface="+mj-lt"/>
-              <a:buAutoNum type="arabicPeriod"/>
-            </a:pPr>
-            <a:r>
-              <a:rPr lang="ru-RU" dirty="0" smtClean="0"/>
-              <a:t>Попробуйте улучшить его результат с помощью </a:t>
-            </a:r>
-            <a:br>
-              <a:rPr lang="ru-RU" dirty="0" smtClean="0"/>
-            </a:br>
-            <a:r>
-              <a:rPr lang="ru-RU" dirty="0" smtClean="0"/>
-              <a:t>идей с предыдущего </a:t>
-            </a:r>
-            <a:r>
-              <a:rPr lang="ru-RU" dirty="0" smtClean="0"/>
-              <a:t>слайда</a:t>
-            </a:r>
-          </a:p>
-          <a:p>
-            <a:pPr>
-              <a:buFont typeface="+mj-lt"/>
-              <a:buAutoNum type="arabicPeriod"/>
-            </a:pPr>
-            <a:r>
-              <a:rPr lang="ru-RU" dirty="0" smtClean="0"/>
-              <a:t>Пройдите код-</a:t>
-            </a:r>
-            <a:r>
-              <a:rPr lang="ru-RU" dirty="0" err="1" smtClean="0"/>
-              <a:t>ревью</a:t>
-            </a:r>
-            <a:r>
-              <a:rPr lang="ru-RU" dirty="0" smtClean="0"/>
-              <a:t> со своим преподавателем</a:t>
-            </a:r>
-            <a:endParaRPr lang="en-US" dirty="0" smtClean="0"/>
-          </a:p>
-          <a:p>
-            <a:pPr>
-              <a:buFont typeface="+mj-lt"/>
-              <a:buAutoNum type="arabicPeriod"/>
-            </a:pPr>
-            <a:endParaRPr lang="ru-RU" dirty="0" smtClean="0"/>
-          </a:p>
-          <a:p>
-            <a:pPr>
-              <a:buFont typeface="+mj-lt"/>
-              <a:buAutoNum type="arabicPeriod"/>
-            </a:pPr>
-            <a:endParaRPr lang="ru-RU" dirty="0" smtClean="0"/>
-          </a:p>
-        </p:txBody>
-      </p:sp>
-    </p:spTree>
-    <p:extLst>
-      <p:ext uri="{BB962C8B-B14F-4D97-AF65-F5344CB8AC3E}">
-        <p14:creationId xmlns:p14="http://schemas.microsoft.com/office/powerpoint/2010/main" val="2024145813"/>
-      </p:ext>
-    </p:extLst>
-  </p:cSld>
-  <p:clrMapOvr>
-    <a:masterClrMapping/>
-  </p:clrMapOvr>
-  <p:timing>
-    <p:tnLst>
-      <p:par>
-        <p:cTn id="1" dur="indefinite" restart="never" nodeType="tmRoot"/>
-      </p:par>
-    </p:tnLst>
-  </p:timing>
-</p:sld>
-</file>
-
-<file path=ppt/slides/slide23.xml><?xml version="1.0" encoding="utf-8"?>
-<p:sld xmlns:a="http://schemas.openxmlformats.org/drawingml/2006/main" xmlns:r="http://schemas.openxmlformats.org/officeDocument/2006/relationships" xmlns:p="http://schemas.openxmlformats.org/presentationml/2006/main">
-  <p:cSld>
-    <p:spTree>
-      <p:nvGrpSpPr>
-        <p:cNvPr id="1" name=""/>
-        <p:cNvGrpSpPr/>
-        <p:nvPr/>
-      </p:nvGrpSpPr>
-      <p:grpSpPr>
-        <a:xfrm>
-          <a:off x="0" y="0"/>
-          <a:ext cx="0" cy="0"/>
-          <a:chOff x="0" y="0"/>
-          <a:chExt cx="0" cy="0"/>
-        </a:xfrm>
-      </p:grpSpPr>
-      <p:sp>
-        <p:nvSpPr>
-          <p:cNvPr id="4" name="Заголовок 3"/>
-          <p:cNvSpPr>
-            <a:spLocks noGrp="1"/>
-          </p:cNvSpPr>
-          <p:nvPr>
-            <p:ph type="title"/>
-          </p:nvPr>
-        </p:nvSpPr>
-        <p:spPr/>
-        <p:txBody>
-          <a:bodyPr/>
-          <a:lstStyle/>
-          <a:p>
-            <a:r>
-              <a:rPr lang="ru-RU" dirty="0" smtClean="0"/>
-              <a:t>Организационное</a:t>
-            </a:r>
-            <a:endParaRPr lang="ru-RU" dirty="0"/>
-          </a:p>
-        </p:txBody>
-      </p:sp>
-    </p:spTree>
-    <p:extLst>
-      <p:ext uri="{BB962C8B-B14F-4D97-AF65-F5344CB8AC3E}">
-        <p14:creationId xmlns:p14="http://schemas.microsoft.com/office/powerpoint/2010/main" val="1212520840"/>
-      </p:ext>
-    </p:extLst>
-  </p:cSld>
-  <p:clrMapOvr>
-    <a:masterClrMapping/>
-  </p:clrMapOvr>
-  <p:timing>
-    <p:tnLst>
-      <p:par>
-        <p:cTn id="1" dur="indefinite" restart="never" nodeType="tmRoot"/>
-      </p:par>
-    </p:tnLst>
-  </p:timing>
-</p:sld>
-</file>
-
-<file path=ppt/slides/slide24.xml><?xml version="1.0" encoding="utf-8"?>
-<p:sld xmlns:a="http://schemas.openxmlformats.org/drawingml/2006/main" xmlns:r="http://schemas.openxmlformats.org/officeDocument/2006/relationships" xmlns:p="http://schemas.openxmlformats.org/presentationml/2006/main">
-  <p:cSld>
-    <p:spTree>
-      <p:nvGrpSpPr>
-        <p:cNvPr id="1" name=""/>
-        <p:cNvGrpSpPr/>
-        <p:nvPr/>
-      </p:nvGrpSpPr>
-      <p:grpSpPr>
-        <a:xfrm>
-          <a:off x="0" y="0"/>
-          <a:ext cx="0" cy="0"/>
-          <a:chOff x="0" y="0"/>
-          <a:chExt cx="0" cy="0"/>
-        </a:xfrm>
-      </p:grpSpPr>
-      <p:sp>
-        <p:nvSpPr>
-          <p:cNvPr id="4" name="Заголовок 3"/>
-          <p:cNvSpPr>
-            <a:spLocks noGrp="1"/>
-          </p:cNvSpPr>
-          <p:nvPr>
-            <p:ph type="title"/>
-          </p:nvPr>
-        </p:nvSpPr>
-        <p:spPr/>
-        <p:txBody>
-          <a:bodyPr/>
-          <a:lstStyle/>
-          <a:p>
-            <a:r>
-              <a:rPr lang="ru-RU" dirty="0" smtClean="0"/>
-              <a:t>Код-</a:t>
-            </a:r>
-            <a:r>
-              <a:rPr lang="ru-RU" dirty="0" err="1" smtClean="0"/>
-              <a:t>ревью</a:t>
-            </a:r>
-            <a:r>
-              <a:rPr lang="ru-RU" dirty="0" smtClean="0"/>
-              <a:t> преподавателями</a:t>
-            </a:r>
-            <a:endParaRPr lang="ru-RU" dirty="0"/>
-          </a:p>
-        </p:txBody>
-      </p:sp>
-      <p:sp>
-        <p:nvSpPr>
-          <p:cNvPr id="5" name="Объект 4"/>
-          <p:cNvSpPr>
-            <a:spLocks noGrp="1"/>
-          </p:cNvSpPr>
-          <p:nvPr>
-            <p:ph idx="1"/>
-          </p:nvPr>
-        </p:nvSpPr>
-        <p:spPr>
-          <a:xfrm>
-            <a:off x="623887" y="1592263"/>
-            <a:ext cx="11167060" cy="4537075"/>
-          </a:xfrm>
-        </p:spPr>
-        <p:txBody>
-          <a:bodyPr/>
-          <a:lstStyle/>
-          <a:p>
-            <a:pPr marL="0" indent="0">
-              <a:buNone/>
-            </a:pPr>
-            <a:r>
-              <a:rPr lang="ru-RU" dirty="0" smtClean="0"/>
-              <a:t>Зачем это вам?</a:t>
-            </a:r>
-            <a:endParaRPr lang="ru-RU" dirty="0" smtClean="0"/>
-          </a:p>
-          <a:p>
-            <a:pPr lvl="1"/>
-            <a:r>
-              <a:rPr lang="ru-RU" dirty="0" smtClean="0"/>
-              <a:t>Если возникли затруднения — получить помощь</a:t>
-            </a:r>
-          </a:p>
-          <a:p>
-            <a:pPr lvl="1"/>
-            <a:r>
-              <a:rPr lang="ru-RU" dirty="0" smtClean="0"/>
-              <a:t>Если </a:t>
-            </a:r>
-            <a:r>
-              <a:rPr lang="ru-RU" dirty="0" smtClean="0"/>
-              <a:t>всё </a:t>
-            </a:r>
-            <a:r>
-              <a:rPr lang="ru-RU" dirty="0" smtClean="0"/>
-              <a:t>решили — получить советы и идеи, что ещё улучшить</a:t>
-            </a:r>
-          </a:p>
-          <a:p>
-            <a:pPr lvl="1"/>
-            <a:r>
-              <a:rPr lang="ru-RU" dirty="0" smtClean="0"/>
-              <a:t>Посмотреть, что делают другие, поучиться на их решениях или </a:t>
-            </a:r>
-            <a:r>
-              <a:rPr lang="ru-RU" dirty="0" smtClean="0"/>
-              <a:t>ошибках</a:t>
-            </a:r>
-            <a:endParaRPr lang="ru-RU" dirty="0" smtClean="0"/>
-          </a:p>
-          <a:p>
-            <a:pPr lvl="1"/>
-            <a:r>
-              <a:rPr lang="ru-RU" dirty="0" smtClean="0"/>
-              <a:t>Баллы индивидуальных достижений при поступлении в </a:t>
-            </a:r>
-            <a:r>
-              <a:rPr lang="ru-RU" dirty="0" err="1" smtClean="0"/>
-              <a:t>УрФУ</a:t>
-            </a:r>
-            <a:r>
-              <a:rPr lang="ru-RU" dirty="0" smtClean="0"/>
-              <a:t> </a:t>
-            </a:r>
-            <a:r>
-              <a:rPr lang="ru-RU" dirty="0" smtClean="0"/>
-              <a:t>— только </a:t>
-            </a:r>
-            <a:r>
-              <a:rPr lang="ru-RU" dirty="0" smtClean="0"/>
-              <a:t>тем, кто прошел </a:t>
-            </a:r>
-            <a:r>
-              <a:rPr lang="ru-RU" dirty="0" smtClean="0"/>
-              <a:t>код-</a:t>
-            </a:r>
-            <a:r>
-              <a:rPr lang="ru-RU" dirty="0" err="1" smtClean="0"/>
-              <a:t>ревью</a:t>
-            </a:r>
-            <a:r>
-              <a:rPr lang="ru-RU" dirty="0" smtClean="0"/>
-              <a:t> всех задач</a:t>
-            </a:r>
-            <a:endParaRPr lang="ru-RU" dirty="0" smtClean="0"/>
-          </a:p>
-        </p:txBody>
-      </p:sp>
-    </p:spTree>
-    <p:extLst>
-      <p:ext uri="{BB962C8B-B14F-4D97-AF65-F5344CB8AC3E}">
-        <p14:creationId xmlns:p14="http://schemas.microsoft.com/office/powerpoint/2010/main" val="2586507497"/>
-      </p:ext>
-    </p:extLst>
-  </p:cSld>
-  <p:clrMapOvr>
-    <a:masterClrMapping/>
-  </p:clrMapOvr>
-  <p:timing>
-    <p:tnLst>
-      <p:par>
-        <p:cTn id="1" dur="indefinite" restart="never" nodeType="tmRoot"/>
-      </p:par>
-    </p:tnLst>
-  </p:timing>
-</p:sld>
-</file>
-
-<file path=ppt/slides/slide25.xml><?xml version="1.0" encoding="utf-8"?>
-<p:sld xmlns:a="http://schemas.openxmlformats.org/drawingml/2006/main" xmlns:r="http://schemas.openxmlformats.org/officeDocument/2006/relationships" xmlns:p="http://schemas.openxmlformats.org/presentationml/2006/main">
-  <p:cSld>
-    <p:spTree>
-      <p:nvGrpSpPr>
-        <p:cNvPr id="1" name=""/>
-        <p:cNvGrpSpPr/>
-        <p:nvPr/>
-      </p:nvGrpSpPr>
-      <p:grpSpPr>
-        <a:xfrm>
-          <a:off x="0" y="0"/>
-          <a:ext cx="0" cy="0"/>
-          <a:chOff x="0" y="0"/>
-          <a:chExt cx="0" cy="0"/>
-        </a:xfrm>
-      </p:grpSpPr>
-      <p:sp>
-        <p:nvSpPr>
-          <p:cNvPr id="4" name="Заголовок 3"/>
-          <p:cNvSpPr>
-            <a:spLocks noGrp="1"/>
-          </p:cNvSpPr>
-          <p:nvPr>
-            <p:ph type="title"/>
-          </p:nvPr>
-        </p:nvSpPr>
-        <p:spPr/>
-        <p:txBody>
-          <a:bodyPr/>
-          <a:lstStyle/>
-          <a:p>
-            <a:r>
-              <a:rPr lang="ru-RU" dirty="0" smtClean="0"/>
-              <a:t>Код-</a:t>
-            </a:r>
-            <a:r>
-              <a:rPr lang="ru-RU" dirty="0" err="1" smtClean="0"/>
-              <a:t>ревью</a:t>
-            </a:r>
-            <a:r>
-              <a:rPr lang="ru-RU" dirty="0" smtClean="0"/>
-              <a:t> преподавателями</a:t>
-            </a:r>
-            <a:endParaRPr lang="ru-RU" dirty="0"/>
-          </a:p>
-        </p:txBody>
-      </p:sp>
-      <p:sp>
-        <p:nvSpPr>
-          <p:cNvPr id="5" name="Объект 4"/>
-          <p:cNvSpPr>
-            <a:spLocks noGrp="1"/>
-          </p:cNvSpPr>
-          <p:nvPr>
-            <p:ph idx="1"/>
-          </p:nvPr>
-        </p:nvSpPr>
-        <p:spPr>
-          <a:xfrm>
-            <a:off x="623887" y="1592263"/>
-            <a:ext cx="11167060" cy="4537075"/>
-          </a:xfrm>
-        </p:spPr>
-        <p:txBody>
-          <a:bodyPr/>
-          <a:lstStyle/>
-          <a:p>
-            <a:pPr>
-              <a:buAutoNum type="arabicPeriod"/>
-            </a:pPr>
-            <a:r>
-              <a:rPr lang="ru-RU" dirty="0" err="1" smtClean="0"/>
-              <a:t>Созвон</a:t>
-            </a:r>
-            <a:r>
-              <a:rPr lang="ru-RU" dirty="0" smtClean="0"/>
-              <a:t> на вашу группу на 1.5 часа. </a:t>
-            </a:r>
-          </a:p>
-          <a:p>
-            <a:pPr>
-              <a:buAutoNum type="arabicPeriod"/>
-            </a:pPr>
-            <a:r>
-              <a:rPr lang="ru-RU" dirty="0" smtClean="0"/>
-              <a:t>Если все сдали за первый </a:t>
-            </a:r>
-            <a:r>
-              <a:rPr lang="ru-RU" dirty="0" err="1" smtClean="0"/>
-              <a:t>созвон</a:t>
-            </a:r>
-            <a:r>
-              <a:rPr lang="ru-RU" dirty="0" smtClean="0"/>
-              <a:t>, на второй можно не приходить.</a:t>
-            </a:r>
-          </a:p>
-          <a:p>
-            <a:pPr>
-              <a:buAutoNum type="arabicPeriod"/>
-            </a:pPr>
-            <a:r>
-              <a:rPr lang="ru-RU" dirty="0" smtClean="0"/>
-              <a:t>Расписание </a:t>
-            </a:r>
-            <a:r>
-              <a:rPr lang="ru-RU" dirty="0" err="1" smtClean="0"/>
-              <a:t>созвонов</a:t>
-            </a:r>
-            <a:r>
-              <a:rPr lang="ru-RU" dirty="0" smtClean="0"/>
-              <a:t> появится чуть позже в </a:t>
-            </a:r>
-            <a:r>
-              <a:rPr lang="ru-RU" dirty="0" err="1" smtClean="0"/>
-              <a:t>телеграм</a:t>
-            </a:r>
-            <a:r>
-              <a:rPr lang="ru-RU" dirty="0" smtClean="0"/>
-              <a:t> чате.</a:t>
-            </a:r>
-            <a:endParaRPr lang="ru-RU" dirty="0" smtClean="0"/>
-          </a:p>
-          <a:p>
-            <a:pPr>
-              <a:buAutoNum type="arabicPeriod"/>
-            </a:pPr>
-            <a:endParaRPr lang="ru-RU" dirty="0" smtClean="0"/>
-          </a:p>
-          <a:p>
-            <a:pPr marL="0" indent="0">
-              <a:buNone/>
-            </a:pPr>
-            <a:endParaRPr lang="ru-RU" dirty="0" smtClean="0"/>
-          </a:p>
-        </p:txBody>
-      </p:sp>
-      <p:pic>
-        <p:nvPicPr>
-          <p:cNvPr id="6" name="Рисунок 5"/>
-          <p:cNvPicPr>
-            <a:picLocks noChangeAspect="1"/>
-          </p:cNvPicPr>
-          <p:nvPr/>
-        </p:nvPicPr>
-        <p:blipFill>
-          <a:blip r:embed="rId2"/>
-          <a:stretch>
-            <a:fillRect/>
-          </a:stretch>
-        </p:blipFill>
-        <p:spPr>
-          <a:xfrm>
-            <a:off x="4617682" y="3315581"/>
-            <a:ext cx="2993145" cy="2993145"/>
-          </a:xfrm>
-          <a:prstGeom prst="rect">
-            <a:avLst/>
-          </a:prstGeom>
-        </p:spPr>
-      </p:pic>
-    </p:spTree>
-    <p:extLst>
-      <p:ext uri="{BB962C8B-B14F-4D97-AF65-F5344CB8AC3E}">
-        <p14:creationId xmlns:p14="http://schemas.microsoft.com/office/powerpoint/2010/main" val="4024351923"/>
-      </p:ext>
-    </p:extLst>
-  </p:cSld>
-  <p:clrMapOvr>
-    <a:masterClrMapping/>
-  </p:clrMapOvr>
-  <p:timing>
-    <p:tnLst>
-      <p:par>
-        <p:cTn id="1" dur="indefinite" restart="never" nodeType="tmRoot"/>
-      </p:par>
-    </p:tnLst>
-  </p:timing>
-</p:sld>
-</file>
-
-<file path=ppt/slides/slide26.xml><?xml version="1.0" encoding="utf-8"?>
+<file path=ppt/slides/slide2.xml><?xml version="1.0" encoding="utf-8"?>
 <p:sld xmlns:a="http://schemas.openxmlformats.org/drawingml/2006/main" xmlns:r="http://schemas.openxmlformats.org/officeDocument/2006/relationships" xmlns:p="http://schemas.openxmlformats.org/presentationml/2006/main">
   <p:cSld>
     <p:spTree>
@@ -7685,435 +5947,6 @@
           <a:lstStyle/>
           <a:p>
             <a:r>
-              <a:rPr lang="ru-RU" dirty="0" err="1" smtClean="0"/>
-              <a:t>Лидерборд</a:t>
-            </a:r>
-            <a:r>
-              <a:rPr lang="ru-RU" dirty="0" smtClean="0"/>
-              <a:t> школы</a:t>
-            </a:r>
-            <a:endParaRPr lang="ru-RU" dirty="0"/>
-          </a:p>
-        </p:txBody>
-      </p:sp>
-      <p:sp>
-        <p:nvSpPr>
-          <p:cNvPr id="3" name="Объект 2"/>
-          <p:cNvSpPr>
-            <a:spLocks noGrp="1"/>
-          </p:cNvSpPr>
-          <p:nvPr>
-            <p:ph idx="1"/>
-          </p:nvPr>
-        </p:nvSpPr>
-        <p:spPr/>
-        <p:txBody>
-          <a:bodyPr/>
-          <a:lstStyle/>
-          <a:p>
-            <a:pPr marL="0" indent="0">
-              <a:buNone/>
-            </a:pPr>
-            <a:r>
-              <a:rPr lang="ru-RU" dirty="0" smtClean="0"/>
-              <a:t>Кому нужно исправить </a:t>
-            </a:r>
-            <a:br>
-              <a:rPr lang="ru-RU" dirty="0" smtClean="0"/>
-            </a:br>
-            <a:r>
-              <a:rPr lang="ru-RU" dirty="0" smtClean="0"/>
-              <a:t>поле </a:t>
-            </a:r>
-            <a:r>
-              <a:rPr lang="en-US" dirty="0" smtClean="0"/>
-              <a:t>company</a:t>
-            </a:r>
-            <a:r>
-              <a:rPr lang="ru-RU" dirty="0" smtClean="0"/>
-              <a:t> в профиле:</a:t>
-            </a:r>
-          </a:p>
-          <a:p>
-            <a:r>
-              <a:rPr lang="en-US" dirty="0" smtClean="0"/>
-              <a:t>kroki221</a:t>
-            </a:r>
-            <a:endParaRPr lang="ru-RU" dirty="0" smtClean="0"/>
-          </a:p>
-          <a:p>
-            <a:r>
-              <a:rPr lang="en-US" dirty="0" smtClean="0"/>
-              <a:t>SWH</a:t>
-            </a:r>
-            <a:endParaRPr lang="ru-RU" dirty="0" smtClean="0"/>
-          </a:p>
-          <a:p>
-            <a:r>
-              <a:rPr lang="en-US" dirty="0" err="1" smtClean="0"/>
-              <a:t>Stas_Korolev</a:t>
-            </a:r>
-            <a:endParaRPr lang="ru-RU" dirty="0" smtClean="0"/>
-          </a:p>
-          <a:p>
-            <a:r>
-              <a:rPr lang="en-US" dirty="0" err="1" smtClean="0"/>
-              <a:t>Ilyha</a:t>
-            </a:r>
-            <a:endParaRPr lang="ru-RU" dirty="0" smtClean="0"/>
-          </a:p>
-          <a:p>
-            <a:endParaRPr lang="ru-RU" dirty="0"/>
-          </a:p>
-        </p:txBody>
-      </p:sp>
-      <p:pic>
-        <p:nvPicPr>
-          <p:cNvPr id="4" name="Рисунок 3"/>
-          <p:cNvPicPr>
-            <a:picLocks noChangeAspect="1"/>
-          </p:cNvPicPr>
-          <p:nvPr/>
-        </p:nvPicPr>
-        <p:blipFill>
-          <a:blip r:embed="rId2"/>
-          <a:stretch>
-            <a:fillRect/>
-          </a:stretch>
-        </p:blipFill>
-        <p:spPr>
-          <a:xfrm>
-            <a:off x="6246193" y="1592263"/>
-            <a:ext cx="4533320" cy="4763559"/>
-          </a:xfrm>
-          <a:prstGeom prst="rect">
-            <a:avLst/>
-          </a:prstGeom>
-        </p:spPr>
-      </p:pic>
-    </p:spTree>
-    <p:extLst>
-      <p:ext uri="{BB962C8B-B14F-4D97-AF65-F5344CB8AC3E}">
-        <p14:creationId xmlns:p14="http://schemas.microsoft.com/office/powerpoint/2010/main" val="3479028050"/>
-      </p:ext>
-    </p:extLst>
-  </p:cSld>
-  <p:clrMapOvr>
-    <a:masterClrMapping/>
-  </p:clrMapOvr>
-  <p:timing>
-    <p:tnLst>
-      <p:par>
-        <p:cTn id="1" dur="indefinite" restart="never" nodeType="tmRoot"/>
-      </p:par>
-    </p:tnLst>
-  </p:timing>
-</p:sld>
-</file>
-
-<file path=ppt/slides/slide3.xml><?xml version="1.0" encoding="utf-8"?>
-<p:sld xmlns:a="http://schemas.openxmlformats.org/drawingml/2006/main" xmlns:r="http://schemas.openxmlformats.org/officeDocument/2006/relationships" xmlns:p="http://schemas.openxmlformats.org/presentationml/2006/main">
-  <p:cSld>
-    <p:spTree>
-      <p:nvGrpSpPr>
-        <p:cNvPr id="1" name=""/>
-        <p:cNvGrpSpPr/>
-        <p:nvPr/>
-      </p:nvGrpSpPr>
-      <p:grpSpPr>
-        <a:xfrm>
-          <a:off x="0" y="0"/>
-          <a:ext cx="0" cy="0"/>
-          <a:chOff x="0" y="0"/>
-          <a:chExt cx="0" cy="0"/>
-        </a:xfrm>
-      </p:grpSpPr>
-      <p:sp>
-        <p:nvSpPr>
-          <p:cNvPr id="3" name="Заголовок 2"/>
-          <p:cNvSpPr>
-            <a:spLocks noGrp="1"/>
-          </p:cNvSpPr>
-          <p:nvPr>
-            <p:ph type="title"/>
-          </p:nvPr>
-        </p:nvSpPr>
-        <p:spPr/>
-        <p:txBody>
-          <a:bodyPr/>
-          <a:lstStyle/>
-          <a:p>
-            <a:r>
-              <a:rPr lang="ru-RU" dirty="0" smtClean="0"/>
-              <a:t>Чат школы в </a:t>
-            </a:r>
-            <a:r>
-              <a:rPr lang="ru-RU" dirty="0" err="1" smtClean="0"/>
-              <a:t>телеграме</a:t>
-            </a:r>
-            <a:endParaRPr lang="ru-RU" dirty="0"/>
-          </a:p>
-        </p:txBody>
-      </p:sp>
-      <p:sp>
-        <p:nvSpPr>
-          <p:cNvPr id="4" name="Объект 3"/>
-          <p:cNvSpPr>
-            <a:spLocks noGrp="1"/>
-          </p:cNvSpPr>
-          <p:nvPr>
-            <p:ph idx="1"/>
-          </p:nvPr>
-        </p:nvSpPr>
-        <p:spPr/>
-        <p:txBody>
-          <a:bodyPr/>
-          <a:lstStyle/>
-          <a:p>
-            <a:pPr marL="0" indent="0">
-              <a:buNone/>
-            </a:pPr>
-            <a:r>
-              <a:rPr lang="ru-RU" dirty="0" smtClean="0"/>
-              <a:t>Вступите в чат в телеграмме</a:t>
-            </a:r>
-          </a:p>
-          <a:p>
-            <a:r>
-              <a:rPr lang="ru-RU" dirty="0" smtClean="0"/>
-              <a:t>Для всех желающих</a:t>
-            </a:r>
-          </a:p>
-          <a:p>
-            <a:r>
-              <a:rPr lang="ru-RU" dirty="0" smtClean="0"/>
-              <a:t>Задавайте вопросы</a:t>
-            </a:r>
-          </a:p>
-          <a:p>
-            <a:r>
-              <a:rPr lang="ru-RU" dirty="0" smtClean="0"/>
-              <a:t>Делитесь своими успехами</a:t>
-            </a:r>
-          </a:p>
-        </p:txBody>
-      </p:sp>
-      <p:pic>
-        <p:nvPicPr>
-          <p:cNvPr id="5" name="Рисунок 4"/>
-          <p:cNvPicPr>
-            <a:picLocks noChangeAspect="1"/>
-          </p:cNvPicPr>
-          <p:nvPr/>
-        </p:nvPicPr>
-        <p:blipFill>
-          <a:blip r:embed="rId3"/>
-          <a:stretch>
-            <a:fillRect/>
-          </a:stretch>
-        </p:blipFill>
-        <p:spPr>
-          <a:xfrm>
-            <a:off x="8187088" y="1780674"/>
-            <a:ext cx="2993145" cy="2993145"/>
-          </a:xfrm>
-          <a:prstGeom prst="rect">
-            <a:avLst/>
-          </a:prstGeom>
-        </p:spPr>
-      </p:pic>
-    </p:spTree>
-    <p:extLst>
-      <p:ext uri="{BB962C8B-B14F-4D97-AF65-F5344CB8AC3E}">
-        <p14:creationId xmlns:p14="http://schemas.microsoft.com/office/powerpoint/2010/main" val="3984538278"/>
-      </p:ext>
-    </p:extLst>
-  </p:cSld>
-  <p:clrMapOvr>
-    <a:masterClrMapping/>
-  </p:clrMapOvr>
-  <p:timing>
-    <p:tnLst>
-      <p:par>
-        <p:cTn id="1" dur="indefinite" restart="never" nodeType="tmRoot"/>
-      </p:par>
-    </p:tnLst>
-  </p:timing>
-</p:sld>
-</file>
-
-<file path=ppt/slides/slide4.xml><?xml version="1.0" encoding="utf-8"?>
-<p:sld xmlns:a="http://schemas.openxmlformats.org/drawingml/2006/main" xmlns:r="http://schemas.openxmlformats.org/officeDocument/2006/relationships" xmlns:p="http://schemas.openxmlformats.org/presentationml/2006/main">
-  <p:cSld>
-    <p:spTree>
-      <p:nvGrpSpPr>
-        <p:cNvPr id="1" name=""/>
-        <p:cNvGrpSpPr/>
-        <p:nvPr/>
-      </p:nvGrpSpPr>
-      <p:grpSpPr>
-        <a:xfrm>
-          <a:off x="0" y="0"/>
-          <a:ext cx="0" cy="0"/>
-          <a:chOff x="0" y="0"/>
-          <a:chExt cx="0" cy="0"/>
-        </a:xfrm>
-      </p:grpSpPr>
-      <p:sp>
-        <p:nvSpPr>
-          <p:cNvPr id="2" name="Заголовок 1"/>
-          <p:cNvSpPr>
-            <a:spLocks noGrp="1"/>
-          </p:cNvSpPr>
-          <p:nvPr>
-            <p:ph type="title"/>
-          </p:nvPr>
-        </p:nvSpPr>
-        <p:spPr/>
-        <p:txBody>
-          <a:bodyPr/>
-          <a:lstStyle/>
-          <a:p>
-            <a:r>
-              <a:rPr lang="ru-RU" dirty="0" smtClean="0"/>
-              <a:t>Кто прошел </a:t>
-            </a:r>
-            <a:r>
-              <a:rPr lang="en-US" dirty="0" smtClean="0"/>
-              <a:t/>
-            </a:r>
-            <a:br>
-              <a:rPr lang="en-US" dirty="0" smtClean="0"/>
-            </a:br>
-            <a:r>
-              <a:rPr lang="ru-RU" dirty="0" smtClean="0"/>
-              <a:t>на </a:t>
-            </a:r>
-            <a:r>
-              <a:rPr lang="ru-RU" dirty="0" smtClean="0"/>
-              <a:t>школу с </a:t>
-            </a:r>
-            <a:r>
-              <a:rPr lang="ru-RU" dirty="0" err="1" smtClean="0"/>
-              <a:t>ревью</a:t>
-            </a:r>
-            <a:endParaRPr lang="ru-RU" dirty="0"/>
-          </a:p>
-        </p:txBody>
-      </p:sp>
-    </p:spTree>
-    <p:extLst>
-      <p:ext uri="{BB962C8B-B14F-4D97-AF65-F5344CB8AC3E}">
-        <p14:creationId xmlns:p14="http://schemas.microsoft.com/office/powerpoint/2010/main" val="3971012539"/>
-      </p:ext>
-    </p:extLst>
-  </p:cSld>
-  <p:clrMapOvr>
-    <a:masterClrMapping/>
-  </p:clrMapOvr>
-  <p:timing>
-    <p:tnLst>
-      <p:par>
-        <p:cTn id="1" dur="indefinite" restart="never" nodeType="tmRoot"/>
-      </p:par>
-    </p:tnLst>
-  </p:timing>
-</p:sld>
-</file>
-
-<file path=ppt/slides/slide5.xml><?xml version="1.0" encoding="utf-8"?>
-<p:sld xmlns:a="http://schemas.openxmlformats.org/drawingml/2006/main" xmlns:r="http://schemas.openxmlformats.org/officeDocument/2006/relationships" xmlns:p="http://schemas.openxmlformats.org/presentationml/2006/main">
-  <p:cSld>
-    <p:spTree>
-      <p:nvGrpSpPr>
-        <p:cNvPr id="1" name=""/>
-        <p:cNvGrpSpPr/>
-        <p:nvPr/>
-      </p:nvGrpSpPr>
-      <p:grpSpPr>
-        <a:xfrm>
-          <a:off x="0" y="0"/>
-          <a:ext cx="0" cy="0"/>
-          <a:chOff x="0" y="0"/>
-          <a:chExt cx="0" cy="0"/>
-        </a:xfrm>
-      </p:grpSpPr>
-      <p:sp>
-        <p:nvSpPr>
-          <p:cNvPr id="4" name="Заголовок 3"/>
-          <p:cNvSpPr>
-            <a:spLocks noGrp="1"/>
-          </p:cNvSpPr>
-          <p:nvPr>
-            <p:ph type="title"/>
-          </p:nvPr>
-        </p:nvSpPr>
-        <p:spPr/>
-        <p:txBody>
-          <a:bodyPr/>
-          <a:lstStyle/>
-          <a:p>
-            <a:r>
-              <a:rPr lang="ru-RU" dirty="0" smtClean="0"/>
-              <a:t>Разбор тестового</a:t>
-            </a:r>
-            <a:endParaRPr lang="ru-RU" dirty="0"/>
-          </a:p>
-        </p:txBody>
-      </p:sp>
-    </p:spTree>
-    <p:extLst>
-      <p:ext uri="{BB962C8B-B14F-4D97-AF65-F5344CB8AC3E}">
-        <p14:creationId xmlns:p14="http://schemas.microsoft.com/office/powerpoint/2010/main" val="3079482354"/>
-      </p:ext>
-    </p:extLst>
-  </p:cSld>
-  <p:clrMapOvr>
-    <a:masterClrMapping/>
-  </p:clrMapOvr>
-  <p:timing>
-    <p:tnLst>
-      <p:par>
-        <p:cTn id="1" dur="indefinite" restart="never" nodeType="tmRoot"/>
-      </p:par>
-    </p:tnLst>
-  </p:timing>
-</p:sld>
-</file>
-
-<file path=ppt/slides/slide6.xml><?xml version="1.0" encoding="utf-8"?>
-<p:sld xmlns:a="http://schemas.openxmlformats.org/drawingml/2006/main" xmlns:r="http://schemas.openxmlformats.org/officeDocument/2006/relationships" xmlns:p="http://schemas.openxmlformats.org/presentationml/2006/main">
-  <p:cSld>
-    <p:spTree>
-      <p:nvGrpSpPr>
-        <p:cNvPr id="1" name=""/>
-        <p:cNvGrpSpPr/>
-        <p:nvPr/>
-      </p:nvGrpSpPr>
-      <p:grpSpPr>
-        <a:xfrm>
-          <a:off x="0" y="0"/>
-          <a:ext cx="0" cy="0"/>
-          <a:chOff x="0" y="0"/>
-          <a:chExt cx="0" cy="0"/>
-        </a:xfrm>
-      </p:grpSpPr>
-      <p:sp>
-        <p:nvSpPr>
-          <p:cNvPr id="2" name="Заголовок 1"/>
-          <p:cNvSpPr>
-            <a:spLocks noGrp="1"/>
-          </p:cNvSpPr>
-          <p:nvPr>
-            <p:ph type="title"/>
-          </p:nvPr>
-        </p:nvSpPr>
-        <p:spPr/>
-        <p:txBody>
-          <a:bodyPr/>
-          <a:lstStyle/>
-          <a:p>
-            <a:r>
               <a:rPr lang="ru-RU" dirty="0"/>
               <a:t>Цикл: Проблема — Идея</a:t>
             </a:r>
@@ -8150,7 +5983,7 @@
             </a:r>
             <a:r>
               <a:rPr lang="ru-RU" dirty="0" smtClean="0"/>
-              <a:t>: стартовый шаблон не учитывает </a:t>
+              <a:t>: Стартовый шаблон не учитывает </a:t>
             </a:r>
             <a:r>
               <a:rPr lang="ru-RU" dirty="0" err="1" smtClean="0"/>
@@ -8524,7 +6357,7 @@
 </p:sld>
 </file>
 
-<file path=ppt/slides/slide7.xml><?xml version="1.0" encoding="utf-8"?>
+<file path=ppt/slides/slide3.xml><?xml version="1.0" encoding="utf-8"?>
 <p:sld xmlns:a="http://schemas.openxmlformats.org/drawingml/2006/main" xmlns:r="http://schemas.openxmlformats.org/officeDocument/2006/relationships" xmlns:p="http://schemas.openxmlformats.org/presentationml/2006/main">
   <p:cSld>
     <p:spTree>
@@ -8622,7 +6455,7 @@
 </p:sld>
 </file>
 
-<file path=ppt/slides/slide8.xml><?xml version="1.0" encoding="utf-8"?>
+<file path=ppt/slides/slide4.xml><?xml version="1.0" encoding="utf-8"?>
 <p:sld xmlns:a="http://schemas.openxmlformats.org/drawingml/2006/main" xmlns:r="http://schemas.openxmlformats.org/officeDocument/2006/relationships" xmlns:p="http://schemas.openxmlformats.org/presentationml/2006/main">
   <p:cSld>
     <p:spTree>
@@ -8679,11 +6512,7 @@
           <a:p>
             <a:r>
               <a:rPr lang="en-US" dirty="0" smtClean="0"/>
-              <a:t>Tokyo </a:t>
-            </a:r>
-            <a:r>
-              <a:rPr lang="en-US" dirty="0" smtClean="0"/>
-              <a:t>Drift</a:t>
+              <a:t>Tokyo Drift</a:t>
             </a:r>
             <a:endParaRPr lang="ru-RU" dirty="0" smtClean="0"/>
           </a:p>
@@ -12078,7 +9907,7 @@
 </p:sld>
 </file>
 
-<file path=ppt/slides/slide9.xml><?xml version="1.0" encoding="utf-8"?>
+<file path=ppt/slides/slide5.xml><?xml version="1.0" encoding="utf-8"?>
 <p:sld xmlns:a="http://schemas.openxmlformats.org/drawingml/2006/main" xmlns:r="http://schemas.openxmlformats.org/officeDocument/2006/relationships" xmlns:p="http://schemas.openxmlformats.org/presentationml/2006/main">
   <p:cSld>
     <p:spTree>
@@ -12486,6 +10315,992 @@
     <p:bldLst>
       <p:bldP spid="3" grpId="0" build="p"/>
     </p:bldLst>
+  </p:timing>
+</p:sld>
+</file>
+
+<file path=ppt/slides/slide6.xml><?xml version="1.0" encoding="utf-8"?>
+<p:sld xmlns:a="http://schemas.openxmlformats.org/drawingml/2006/main" xmlns:r="http://schemas.openxmlformats.org/officeDocument/2006/relationships" xmlns:p="http://schemas.openxmlformats.org/presentationml/2006/main">
+  <p:cSld>
+    <p:spTree>
+      <p:nvGrpSpPr>
+        <p:cNvPr id="1" name=""/>
+        <p:cNvGrpSpPr/>
+        <p:nvPr/>
+      </p:nvGrpSpPr>
+      <p:grpSpPr>
+        <a:xfrm>
+          <a:off x="0" y="0"/>
+          <a:ext cx="0" cy="0"/>
+          <a:chOff x="0" y="0"/>
+          <a:chExt cx="0" cy="0"/>
+        </a:xfrm>
+      </p:grpSpPr>
+      <p:sp>
+        <p:nvSpPr>
+          <p:cNvPr id="2" name="Заголовок 1"/>
+          <p:cNvSpPr>
+            <a:spLocks noGrp="1"/>
+          </p:cNvSpPr>
+          <p:nvPr>
+            <p:ph type="title"/>
+          </p:nvPr>
+        </p:nvSpPr>
+        <p:spPr/>
+        <p:txBody>
+          <a:bodyPr/>
+          <a:lstStyle/>
+          <a:p>
+            <a:r>
+              <a:rPr lang="ru-RU" dirty="0"/>
+              <a:t>Составляющие решения</a:t>
+            </a:r>
+          </a:p>
+        </p:txBody>
+      </p:sp>
+      <p:sp>
+        <p:nvSpPr>
+          <p:cNvPr id="3" name="Объект 2"/>
+          <p:cNvSpPr>
+            <a:spLocks noGrp="1"/>
+          </p:cNvSpPr>
+          <p:nvPr>
+            <p:ph idx="1"/>
+          </p:nvPr>
+        </p:nvSpPr>
+        <p:spPr/>
+        <p:txBody>
+          <a:bodyPr/>
+          <a:lstStyle/>
+          <a:p>
+            <a:pPr>
+              <a:buFont typeface="+mj-lt"/>
+              <a:buAutoNum type="arabicPeriod"/>
+            </a:pPr>
+            <a:r>
+              <a:rPr lang="ru-RU" b="1" dirty="0" smtClean="0">
+                <a:solidFill>
+                  <a:schemeClr val="accent2"/>
+                </a:solidFill>
+              </a:rPr>
+              <a:t>Симуляция</a:t>
+            </a:r>
+            <a:endParaRPr lang="en-US" b="1" dirty="0" smtClean="0">
+              <a:solidFill>
+                <a:schemeClr val="accent2"/>
+              </a:solidFill>
+            </a:endParaRPr>
+          </a:p>
+          <a:p>
+            <a:pPr lvl="1">
+              <a:buFont typeface="+mj-lt"/>
+              <a:buAutoNum type="arabicPeriod"/>
+            </a:pPr>
+            <a:r>
+              <a:rPr lang="ru-RU" dirty="0" smtClean="0">
+                <a:solidFill>
+                  <a:schemeClr val="accent2"/>
+                </a:solidFill>
+              </a:rPr>
+              <a:t>Всё состояние игры</a:t>
+            </a:r>
+          </a:p>
+          <a:p>
+            <a:pPr lvl="1">
+              <a:buFont typeface="+mj-lt"/>
+              <a:buAutoNum type="arabicPeriod"/>
+            </a:pPr>
+            <a:r>
+              <a:rPr lang="ru-RU" dirty="0" smtClean="0">
+                <a:solidFill>
+                  <a:schemeClr val="accent2"/>
+                </a:solidFill>
+              </a:rPr>
+              <a:t>Применение одного хода</a:t>
+            </a:r>
+          </a:p>
+          <a:p>
+            <a:pPr lvl="1">
+              <a:buFont typeface="+mj-lt"/>
+              <a:buAutoNum type="arabicPeriod"/>
+            </a:pPr>
+            <a:r>
+              <a:rPr lang="en-US" dirty="0" smtClean="0"/>
+              <a:t>[</a:t>
+            </a:r>
+            <a:r>
+              <a:rPr lang="ru-RU" dirty="0" smtClean="0"/>
+              <a:t> Получение списка доступных ходов </a:t>
+            </a:r>
+            <a:r>
+              <a:rPr lang="en-US" dirty="0" smtClean="0"/>
+              <a:t>]</a:t>
+            </a:r>
+            <a:endParaRPr lang="en-US" dirty="0"/>
+          </a:p>
+          <a:p>
+            <a:pPr>
+              <a:buFont typeface="+mj-lt"/>
+              <a:buAutoNum type="arabicPeriod"/>
+            </a:pPr>
+            <a:r>
+              <a:rPr lang="ru-RU" dirty="0" smtClean="0"/>
+              <a:t>Оценка состояния</a:t>
+            </a:r>
+          </a:p>
+          <a:p>
+            <a:pPr>
+              <a:buFont typeface="+mj-lt"/>
+              <a:buAutoNum type="arabicPeriod"/>
+            </a:pPr>
+            <a:r>
+              <a:rPr lang="ru-RU" dirty="0" smtClean="0"/>
+              <a:t>Алгоритм поиска</a:t>
+            </a:r>
+            <a:endParaRPr lang="ru-RU" dirty="0"/>
+          </a:p>
+        </p:txBody>
+      </p:sp>
+    </p:spTree>
+    <p:extLst>
+      <p:ext uri="{BB962C8B-B14F-4D97-AF65-F5344CB8AC3E}">
+        <p14:creationId xmlns:p14="http://schemas.microsoft.com/office/powerpoint/2010/main" val="3191963235"/>
+      </p:ext>
+    </p:extLst>
+  </p:cSld>
+  <p:clrMapOvr>
+    <a:masterClrMapping/>
+  </p:clrMapOvr>
+  <p:timing>
+    <p:tnLst>
+      <p:par>
+        <p:cTn id="1" dur="indefinite" restart="never" nodeType="tmRoot"/>
+      </p:par>
+    </p:tnLst>
+  </p:timing>
+</p:sld>
+</file>
+
+<file path=ppt/slides/slide7.xml><?xml version="1.0" encoding="utf-8"?>
+<p:sld xmlns:a="http://schemas.openxmlformats.org/drawingml/2006/main" xmlns:r="http://schemas.openxmlformats.org/officeDocument/2006/relationships" xmlns:p="http://schemas.openxmlformats.org/presentationml/2006/main">
+  <p:cSld>
+    <p:spTree>
+      <p:nvGrpSpPr>
+        <p:cNvPr id="1" name=""/>
+        <p:cNvGrpSpPr/>
+        <p:nvPr/>
+      </p:nvGrpSpPr>
+      <p:grpSpPr>
+        <a:xfrm>
+          <a:off x="0" y="0"/>
+          <a:ext cx="0" cy="0"/>
+          <a:chOff x="0" y="0"/>
+          <a:chExt cx="0" cy="0"/>
+        </a:xfrm>
+      </p:grpSpPr>
+      <p:sp>
+        <p:nvSpPr>
+          <p:cNvPr id="2" name="Заголовок 1"/>
+          <p:cNvSpPr>
+            <a:spLocks noGrp="1"/>
+          </p:cNvSpPr>
+          <p:nvPr>
+            <p:ph type="title"/>
+          </p:nvPr>
+        </p:nvSpPr>
+        <p:spPr/>
+        <p:txBody>
+          <a:bodyPr/>
+          <a:lstStyle/>
+          <a:p>
+            <a:r>
+              <a:rPr lang="ru-RU" dirty="0"/>
+              <a:t>Состояние игры </a:t>
+            </a:r>
+            <a:r>
+              <a:rPr lang="en-US" dirty="0"/>
+              <a:t>Search Race</a:t>
+            </a:r>
+            <a:endParaRPr lang="ru-RU" dirty="0"/>
+          </a:p>
+        </p:txBody>
+      </p:sp>
+      <p:sp>
+        <p:nvSpPr>
+          <p:cNvPr id="3" name="Объект 2"/>
+          <p:cNvSpPr>
+            <a:spLocks noGrp="1"/>
+          </p:cNvSpPr>
+          <p:nvPr>
+            <p:ph idx="1"/>
+          </p:nvPr>
+        </p:nvSpPr>
+        <p:spPr/>
+        <p:txBody>
+          <a:bodyPr/>
+          <a:lstStyle/>
+          <a:p>
+            <a:r>
+              <a:rPr lang="en-US" dirty="0" smtClean="0"/>
+              <a:t>x, y, </a:t>
+            </a:r>
+            <a:r>
+              <a:rPr lang="en-US" dirty="0" err="1" smtClean="0"/>
+              <a:t>vx</a:t>
+            </a:r>
+            <a:r>
+              <a:rPr lang="en-US" dirty="0" smtClean="0"/>
+              <a:t>, </a:t>
+            </a:r>
+            <a:r>
+              <a:rPr lang="en-US" dirty="0" err="1" smtClean="0"/>
+              <a:t>vy</a:t>
+            </a:r>
+            <a:r>
+              <a:rPr lang="en-US" dirty="0" smtClean="0"/>
+              <a:t>, angle</a:t>
+            </a:r>
+            <a:endParaRPr lang="ru-RU" dirty="0" smtClean="0"/>
+          </a:p>
+          <a:p>
+            <a:r>
+              <a:rPr lang="ru-RU" dirty="0" smtClean="0"/>
+              <a:t>Номер следующего </a:t>
+            </a:r>
+            <a:r>
+              <a:rPr lang="ru-RU" dirty="0" err="1" smtClean="0"/>
+              <a:t>чекпоинта</a:t>
+            </a:r>
+            <a:endParaRPr lang="en-US" dirty="0" smtClean="0"/>
+          </a:p>
+          <a:p>
+            <a:r>
+              <a:rPr lang="ru-RU" dirty="0" smtClean="0"/>
+              <a:t>Список </a:t>
+            </a:r>
+            <a:r>
+              <a:rPr lang="ru-RU" dirty="0" err="1" smtClean="0"/>
+              <a:t>чекпоинтов</a:t>
+            </a:r>
+            <a:endParaRPr lang="ru-RU" dirty="0" smtClean="0"/>
+          </a:p>
+        </p:txBody>
+      </p:sp>
+    </p:spTree>
+    <p:extLst>
+      <p:ext uri="{BB962C8B-B14F-4D97-AF65-F5344CB8AC3E}">
+        <p14:creationId xmlns:p14="http://schemas.microsoft.com/office/powerpoint/2010/main" val="771400384"/>
+      </p:ext>
+    </p:extLst>
+  </p:cSld>
+  <p:clrMapOvr>
+    <a:masterClrMapping/>
+  </p:clrMapOvr>
+  <p:timing>
+    <p:tnLst>
+      <p:par>
+        <p:cTn id="1" dur="indefinite" restart="never" nodeType="tmRoot">
+          <p:childTnLst>
+            <p:seq concurrent="1" nextAc="seek">
+              <p:cTn id="2" dur="indefinite" nodeType="mainSeq">
+                <p:childTnLst>
+                  <p:par>
+                    <p:cTn id="3" fill="hold">
+                      <p:stCondLst>
+                        <p:cond delay="indefinite"/>
+                      </p:stCondLst>
+                      <p:childTnLst>
+                        <p:par>
+                          <p:cTn id="4" fill="hold">
+                            <p:stCondLst>
+                              <p:cond delay="0"/>
+                            </p:stCondLst>
+                            <p:childTnLst>
+                              <p:par>
+                                <p:cTn id="5" presetID="1" presetClass="entr" presetSubtype="0" fill="hold" grpId="0" nodeType="clickEffect">
+                                  <p:stCondLst>
+                                    <p:cond delay="0"/>
+                                  </p:stCondLst>
+                                  <p:childTnLst>
+                                    <p:set>
+                                      <p:cBhvr>
+                                        <p:cTn id="6" dur="1" fill="hold">
+                                          <p:stCondLst>
+                                            <p:cond delay="0"/>
+                                          </p:stCondLst>
+                                        </p:cTn>
+                                        <p:tgtEl>
+                                          <p:spTgt spid="3"/>
+                                        </p:tgtEl>
+                                        <p:attrNameLst>
+                                          <p:attrName>style.visibility</p:attrName>
+                                        </p:attrNameLst>
+                                      </p:cBhvr>
+                                      <p:to>
+                                        <p:strVal val="visible"/>
+                                      </p:to>
+                                    </p:set>
+                                  </p:childTnLst>
+                                </p:cTn>
+                              </p:par>
+                            </p:childTnLst>
+                          </p:cTn>
+                        </p:par>
+                      </p:childTnLst>
+                    </p:cTn>
+                  </p:par>
+                </p:childTnLst>
+              </p:cTn>
+              <p:prevCondLst>
+                <p:cond evt="onPrev" delay="0">
+                  <p:tgtEl>
+                    <p:sldTgt/>
+                  </p:tgtEl>
+                </p:cond>
+              </p:prevCondLst>
+              <p:nextCondLst>
+                <p:cond evt="onNext" delay="0">
+                  <p:tgtEl>
+                    <p:sldTgt/>
+                  </p:tgtEl>
+                </p:cond>
+              </p:nextCondLst>
+            </p:seq>
+          </p:childTnLst>
+        </p:cTn>
+      </p:par>
+    </p:tnLst>
+    <p:bldLst>
+      <p:bldP spid="3" grpId="0"/>
+    </p:bldLst>
+  </p:timing>
+</p:sld>
+</file>
+
+<file path=ppt/slides/slide8.xml><?xml version="1.0" encoding="utf-8"?>
+<p:sld xmlns:a="http://schemas.openxmlformats.org/drawingml/2006/main" xmlns:r="http://schemas.openxmlformats.org/officeDocument/2006/relationships" xmlns:p="http://schemas.openxmlformats.org/presentationml/2006/main">
+  <p:cSld>
+    <p:spTree>
+      <p:nvGrpSpPr>
+        <p:cNvPr id="1" name=""/>
+        <p:cNvGrpSpPr/>
+        <p:nvPr/>
+      </p:nvGrpSpPr>
+      <p:grpSpPr>
+        <a:xfrm>
+          <a:off x="0" y="0"/>
+          <a:ext cx="0" cy="0"/>
+          <a:chOff x="0" y="0"/>
+          <a:chExt cx="0" cy="0"/>
+        </a:xfrm>
+      </p:grpSpPr>
+      <p:sp>
+        <p:nvSpPr>
+          <p:cNvPr id="2" name="Заголовок 1"/>
+          <p:cNvSpPr>
+            <a:spLocks noGrp="1"/>
+          </p:cNvSpPr>
+          <p:nvPr>
+            <p:ph type="title"/>
+          </p:nvPr>
+        </p:nvSpPr>
+        <p:spPr/>
+        <p:txBody>
+          <a:bodyPr/>
+          <a:lstStyle/>
+          <a:p>
+            <a:r>
+              <a:rPr lang="ru-RU" dirty="0"/>
+              <a:t>Объекты в </a:t>
+            </a:r>
+            <a:r>
+              <a:rPr lang="en-US" dirty="0"/>
+              <a:t>Python</a:t>
+            </a:r>
+            <a:endParaRPr lang="ru-RU" dirty="0"/>
+          </a:p>
+        </p:txBody>
+      </p:sp>
+      <p:sp>
+        <p:nvSpPr>
+          <p:cNvPr id="3" name="Объект 2"/>
+          <p:cNvSpPr>
+            <a:spLocks noGrp="1"/>
+          </p:cNvSpPr>
+          <p:nvPr>
+            <p:ph idx="1"/>
+          </p:nvPr>
+        </p:nvSpPr>
+        <p:spPr/>
+        <p:txBody>
+          <a:bodyPr/>
+          <a:lstStyle/>
+          <a:p>
+            <a:pPr marL="0" indent="0">
+              <a:buNone/>
+            </a:pPr>
+            <a:r>
+              <a:rPr lang="en-US" dirty="0" smtClean="0">
+                <a:latin typeface="Consolas" panose="020B0609020204030204" pitchFamily="49" charset="0"/>
+              </a:rPr>
+              <a:t>class Box:</a:t>
+            </a:r>
+          </a:p>
+          <a:p>
+            <a:pPr marL="0" indent="0">
+              <a:buNone/>
+            </a:pPr>
+            <a:r>
+              <a:rPr lang="en-US" dirty="0">
+                <a:latin typeface="Consolas" panose="020B0609020204030204" pitchFamily="49" charset="0"/>
+              </a:rPr>
+              <a:t> </a:t>
+            </a:r>
+            <a:r>
+              <a:rPr lang="en-US" dirty="0" smtClean="0">
+                <a:latin typeface="Consolas" panose="020B0609020204030204" pitchFamily="49" charset="0"/>
+              </a:rPr>
+              <a:t> </a:t>
+            </a:r>
+            <a:r>
+              <a:rPr lang="en-US" dirty="0" err="1" smtClean="0">
+                <a:latin typeface="Consolas" panose="020B0609020204030204" pitchFamily="49" charset="0"/>
+              </a:rPr>
+              <a:t>def</a:t>
+            </a:r>
+            <a:r>
+              <a:rPr lang="en-US" dirty="0" smtClean="0">
+                <a:latin typeface="Consolas" panose="020B0609020204030204" pitchFamily="49" charset="0"/>
+              </a:rPr>
+              <a:t> __</a:t>
+            </a:r>
+            <a:r>
+              <a:rPr lang="en-US" dirty="0" err="1" smtClean="0">
+                <a:latin typeface="Consolas" panose="020B0609020204030204" pitchFamily="49" charset="0"/>
+              </a:rPr>
+              <a:t>init</a:t>
+            </a:r>
+            <a:r>
+              <a:rPr lang="en-US" dirty="0" smtClean="0">
+                <a:latin typeface="Consolas" panose="020B0609020204030204" pitchFamily="49" charset="0"/>
+              </a:rPr>
+              <a:t>__(self, size, color):</a:t>
+            </a:r>
+          </a:p>
+          <a:p>
+            <a:pPr marL="0" indent="0">
+              <a:buNone/>
+            </a:pPr>
+            <a:r>
+              <a:rPr lang="en-US" dirty="0">
+                <a:latin typeface="Consolas" panose="020B0609020204030204" pitchFamily="49" charset="0"/>
+              </a:rPr>
+              <a:t> </a:t>
+            </a:r>
+            <a:r>
+              <a:rPr lang="en-US" dirty="0" smtClean="0">
+                <a:latin typeface="Consolas" panose="020B0609020204030204" pitchFamily="49" charset="0"/>
+              </a:rPr>
+              <a:t>   </a:t>
+            </a:r>
+            <a:r>
+              <a:rPr lang="en-US" dirty="0" err="1" smtClean="0">
+                <a:latin typeface="Consolas" panose="020B0609020204030204" pitchFamily="49" charset="0"/>
+              </a:rPr>
+              <a:t>self.size</a:t>
+            </a:r>
+            <a:r>
+              <a:rPr lang="en-US" dirty="0" smtClean="0">
+                <a:latin typeface="Consolas" panose="020B0609020204030204" pitchFamily="49" charset="0"/>
+              </a:rPr>
+              <a:t> = size</a:t>
+            </a:r>
+          </a:p>
+          <a:p>
+            <a:pPr marL="0" indent="0">
+              <a:buNone/>
+            </a:pPr>
+            <a:r>
+              <a:rPr lang="en-US" dirty="0">
+                <a:latin typeface="Consolas" panose="020B0609020204030204" pitchFamily="49" charset="0"/>
+              </a:rPr>
+              <a:t> </a:t>
+            </a:r>
+            <a:r>
+              <a:rPr lang="en-US" dirty="0" smtClean="0">
+                <a:latin typeface="Consolas" panose="020B0609020204030204" pitchFamily="49" charset="0"/>
+              </a:rPr>
+              <a:t>   </a:t>
+            </a:r>
+            <a:r>
+              <a:rPr lang="en-US" dirty="0" err="1" smtClean="0">
+                <a:latin typeface="Consolas" panose="020B0609020204030204" pitchFamily="49" charset="0"/>
+              </a:rPr>
+              <a:t>self.color</a:t>
+            </a:r>
+            <a:r>
+              <a:rPr lang="en-US" dirty="0" smtClean="0">
+                <a:latin typeface="Consolas" panose="020B0609020204030204" pitchFamily="49" charset="0"/>
+              </a:rPr>
+              <a:t> = color</a:t>
+            </a:r>
+          </a:p>
+          <a:p>
+            <a:pPr marL="0" indent="0">
+              <a:buNone/>
+            </a:pPr>
+            <a:endParaRPr lang="en-US" dirty="0">
+              <a:latin typeface="Consolas" panose="020B0609020204030204" pitchFamily="49" charset="0"/>
+            </a:endParaRPr>
+          </a:p>
+          <a:p>
+            <a:pPr marL="0" indent="0">
+              <a:buNone/>
+            </a:pPr>
+            <a:r>
+              <a:rPr lang="en-US" dirty="0" smtClean="0">
+                <a:latin typeface="Consolas" panose="020B0609020204030204" pitchFamily="49" charset="0"/>
+              </a:rPr>
+              <a:t>box1 = Box(20, 'black')</a:t>
+            </a:r>
+          </a:p>
+          <a:p>
+            <a:pPr marL="0" indent="0">
+              <a:buNone/>
+            </a:pPr>
+            <a:r>
+              <a:rPr lang="en-US" dirty="0" smtClean="0">
+                <a:latin typeface="Consolas" panose="020B0609020204030204" pitchFamily="49" charset="0"/>
+              </a:rPr>
+              <a:t>box2 = Box(10, 'red')</a:t>
+            </a:r>
+          </a:p>
+          <a:p>
+            <a:pPr marL="0" indent="0">
+              <a:buNone/>
+            </a:pPr>
+            <a:r>
+              <a:rPr lang="en-US" dirty="0" smtClean="0">
+                <a:latin typeface="Consolas" panose="020B0609020204030204" pitchFamily="49" charset="0"/>
+              </a:rPr>
+              <a:t>box1.size + box2.size </a:t>
+            </a:r>
+            <a:r>
+              <a:rPr lang="ru-RU" dirty="0" smtClean="0">
+                <a:latin typeface="Consolas" panose="020B0609020204030204" pitchFamily="49" charset="0"/>
+              </a:rPr>
+              <a:t> </a:t>
+            </a:r>
+            <a:r>
+              <a:rPr lang="en-US" dirty="0" smtClean="0">
+                <a:solidFill>
+                  <a:schemeClr val="tx1">
+                    <a:lumMod val="50000"/>
+                  </a:schemeClr>
+                </a:solidFill>
+                <a:latin typeface="Consolas" panose="020B0609020204030204" pitchFamily="49" charset="0"/>
+              </a:rPr>
+              <a:t># </a:t>
+            </a:r>
+            <a:r>
+              <a:rPr lang="en-US" dirty="0" smtClean="0">
+                <a:solidFill>
+                  <a:schemeClr val="tx1">
+                    <a:lumMod val="50000"/>
+                  </a:schemeClr>
+                </a:solidFill>
+                <a:latin typeface="Consolas" panose="020B0609020204030204" pitchFamily="49" charset="0"/>
+              </a:rPr>
+              <a:t>30</a:t>
+            </a:r>
+          </a:p>
+          <a:p>
+            <a:pPr marL="0" indent="0">
+              <a:buNone/>
+            </a:pPr>
+            <a:endParaRPr lang="en-US" dirty="0" smtClean="0">
+              <a:latin typeface="Consolas" panose="020B0609020204030204" pitchFamily="49" charset="0"/>
+            </a:endParaRPr>
+          </a:p>
+        </p:txBody>
+      </p:sp>
+    </p:spTree>
+    <p:extLst>
+      <p:ext uri="{BB962C8B-B14F-4D97-AF65-F5344CB8AC3E}">
+        <p14:creationId xmlns:p14="http://schemas.microsoft.com/office/powerpoint/2010/main" val="3594146022"/>
+      </p:ext>
+    </p:extLst>
+  </p:cSld>
+  <p:clrMapOvr>
+    <a:masterClrMapping/>
+  </p:clrMapOvr>
+  <p:timing>
+    <p:tnLst>
+      <p:par>
+        <p:cTn id="1" dur="indefinite" restart="never" nodeType="tmRoot"/>
+      </p:par>
+    </p:tnLst>
+  </p:timing>
+</p:sld>
+</file>
+
+<file path=ppt/slides/slide9.xml><?xml version="1.0" encoding="utf-8"?>
+<p:sld xmlns:a="http://schemas.openxmlformats.org/drawingml/2006/main" xmlns:r="http://schemas.openxmlformats.org/officeDocument/2006/relationships" xmlns:p="http://schemas.openxmlformats.org/presentationml/2006/main">
+  <p:cSld>
+    <p:spTree>
+      <p:nvGrpSpPr>
+        <p:cNvPr id="1" name=""/>
+        <p:cNvGrpSpPr/>
+        <p:nvPr/>
+      </p:nvGrpSpPr>
+      <p:grpSpPr>
+        <a:xfrm>
+          <a:off x="0" y="0"/>
+          <a:ext cx="0" cy="0"/>
+          <a:chOff x="0" y="0"/>
+          <a:chExt cx="0" cy="0"/>
+        </a:xfrm>
+      </p:grpSpPr>
+      <p:sp>
+        <p:nvSpPr>
+          <p:cNvPr id="2" name="Заголовок 1"/>
+          <p:cNvSpPr>
+            <a:spLocks noGrp="1"/>
+          </p:cNvSpPr>
+          <p:nvPr>
+            <p:ph type="title"/>
+          </p:nvPr>
+        </p:nvSpPr>
+        <p:spPr/>
+        <p:txBody>
+          <a:bodyPr/>
+          <a:lstStyle/>
+          <a:p>
+            <a:r>
+              <a:rPr lang="ru-RU" dirty="0"/>
+              <a:t>Объекты в </a:t>
+            </a:r>
+            <a:r>
+              <a:rPr lang="en-US" dirty="0"/>
+              <a:t>Python</a:t>
+            </a:r>
+            <a:endParaRPr lang="ru-RU" dirty="0"/>
+          </a:p>
+        </p:txBody>
+      </p:sp>
+      <p:sp>
+        <p:nvSpPr>
+          <p:cNvPr id="3" name="Объект 2"/>
+          <p:cNvSpPr>
+            <a:spLocks noGrp="1"/>
+          </p:cNvSpPr>
+          <p:nvPr>
+            <p:ph idx="1"/>
+          </p:nvPr>
+        </p:nvSpPr>
+        <p:spPr>
+          <a:xfrm>
+            <a:off x="623887" y="1592263"/>
+            <a:ext cx="10980737" cy="4937629"/>
+          </a:xfrm>
+        </p:spPr>
+        <p:txBody>
+          <a:bodyPr/>
+          <a:lstStyle/>
+          <a:p>
+            <a:pPr marL="0" indent="0">
+              <a:buNone/>
+            </a:pPr>
+            <a:r>
+              <a:rPr lang="en-US" dirty="0" smtClean="0">
+                <a:latin typeface="Consolas" panose="020B0609020204030204" pitchFamily="49" charset="0"/>
+              </a:rPr>
+              <a:t>class Box:</a:t>
+            </a:r>
+          </a:p>
+          <a:p>
+            <a:pPr marL="0" indent="0">
+              <a:buNone/>
+            </a:pPr>
+            <a:r>
+              <a:rPr lang="en-US" dirty="0">
+                <a:latin typeface="Consolas" panose="020B0609020204030204" pitchFamily="49" charset="0"/>
+              </a:rPr>
+              <a:t> </a:t>
+            </a:r>
+            <a:r>
+              <a:rPr lang="en-US" dirty="0" smtClean="0">
+                <a:latin typeface="Consolas" panose="020B0609020204030204" pitchFamily="49" charset="0"/>
+              </a:rPr>
+              <a:t> </a:t>
+            </a:r>
+            <a:r>
+              <a:rPr lang="en-US" dirty="0" err="1" smtClean="0">
+                <a:latin typeface="Consolas" panose="020B0609020204030204" pitchFamily="49" charset="0"/>
+              </a:rPr>
+              <a:t>def</a:t>
+            </a:r>
+            <a:r>
+              <a:rPr lang="en-US" dirty="0" smtClean="0">
+                <a:latin typeface="Consolas" panose="020B0609020204030204" pitchFamily="49" charset="0"/>
+              </a:rPr>
+              <a:t> __</a:t>
+            </a:r>
+            <a:r>
+              <a:rPr lang="en-US" dirty="0" err="1" smtClean="0">
+                <a:latin typeface="Consolas" panose="020B0609020204030204" pitchFamily="49" charset="0"/>
+              </a:rPr>
+              <a:t>init</a:t>
+            </a:r>
+            <a:r>
+              <a:rPr lang="en-US" dirty="0" smtClean="0">
+                <a:latin typeface="Consolas" panose="020B0609020204030204" pitchFamily="49" charset="0"/>
+              </a:rPr>
+              <a:t>__(self, size, color):</a:t>
+            </a:r>
+          </a:p>
+          <a:p>
+            <a:pPr marL="0" indent="0">
+              <a:buNone/>
+            </a:pPr>
+            <a:r>
+              <a:rPr lang="en-US" dirty="0">
+                <a:latin typeface="Consolas" panose="020B0609020204030204" pitchFamily="49" charset="0"/>
+              </a:rPr>
+              <a:t> </a:t>
+            </a:r>
+            <a:r>
+              <a:rPr lang="en-US" dirty="0" smtClean="0">
+                <a:latin typeface="Consolas" panose="020B0609020204030204" pitchFamily="49" charset="0"/>
+              </a:rPr>
+              <a:t>   </a:t>
+            </a:r>
+            <a:r>
+              <a:rPr lang="en-US" dirty="0" err="1" smtClean="0">
+                <a:latin typeface="Consolas" panose="020B0609020204030204" pitchFamily="49" charset="0"/>
+              </a:rPr>
+              <a:t>self.size</a:t>
+            </a:r>
+            <a:r>
+              <a:rPr lang="en-US" dirty="0" smtClean="0">
+                <a:latin typeface="Consolas" panose="020B0609020204030204" pitchFamily="49" charset="0"/>
+              </a:rPr>
+              <a:t> = size</a:t>
+            </a:r>
+          </a:p>
+          <a:p>
+            <a:pPr marL="0" indent="0">
+              <a:buNone/>
+            </a:pPr>
+            <a:r>
+              <a:rPr lang="en-US" dirty="0">
+                <a:latin typeface="Consolas" panose="020B0609020204030204" pitchFamily="49" charset="0"/>
+              </a:rPr>
+              <a:t> </a:t>
+            </a:r>
+            <a:r>
+              <a:rPr lang="en-US" dirty="0" smtClean="0">
+                <a:latin typeface="Consolas" panose="020B0609020204030204" pitchFamily="49" charset="0"/>
+              </a:rPr>
+              <a:t>   </a:t>
+            </a:r>
+            <a:r>
+              <a:rPr lang="en-US" dirty="0" err="1" smtClean="0">
+                <a:latin typeface="Consolas" panose="020B0609020204030204" pitchFamily="49" charset="0"/>
+              </a:rPr>
+              <a:t>self.color</a:t>
+            </a:r>
+            <a:r>
+              <a:rPr lang="en-US" dirty="0" smtClean="0">
+                <a:latin typeface="Consolas" panose="020B0609020204030204" pitchFamily="49" charset="0"/>
+              </a:rPr>
+              <a:t> = color</a:t>
+            </a:r>
+          </a:p>
+          <a:p>
+            <a:pPr marL="0" indent="0">
+              <a:buNone/>
+            </a:pPr>
+            <a:r>
+              <a:rPr lang="en-US" dirty="0">
+                <a:latin typeface="Consolas" panose="020B0609020204030204" pitchFamily="49" charset="0"/>
+              </a:rPr>
+              <a:t> </a:t>
+            </a:r>
+            <a:r>
+              <a:rPr lang="en-US" dirty="0" smtClean="0">
+                <a:latin typeface="Consolas" panose="020B0609020204030204" pitchFamily="49" charset="0"/>
+              </a:rPr>
+              <a:t>   </a:t>
+            </a:r>
+            <a:r>
+              <a:rPr lang="en-US" dirty="0" err="1" smtClean="0">
+                <a:solidFill>
+                  <a:schemeClr val="accent2"/>
+                </a:solidFill>
+                <a:latin typeface="Consolas" panose="020B0609020204030204" pitchFamily="49" charset="0"/>
+              </a:rPr>
+              <a:t>self.content</a:t>
+            </a:r>
+            <a:r>
+              <a:rPr lang="en-US" dirty="0" smtClean="0">
+                <a:solidFill>
+                  <a:schemeClr val="accent2"/>
+                </a:solidFill>
+                <a:latin typeface="Consolas" panose="020B0609020204030204" pitchFamily="49" charset="0"/>
+              </a:rPr>
+              <a:t> = None</a:t>
+            </a:r>
+            <a:endParaRPr lang="ru-RU" dirty="0" smtClean="0">
+              <a:solidFill>
+                <a:schemeClr val="accent2"/>
+              </a:solidFill>
+              <a:latin typeface="Consolas" panose="020B0609020204030204" pitchFamily="49" charset="0"/>
+            </a:endParaRPr>
+          </a:p>
+          <a:p>
+            <a:pPr marL="0" indent="0">
+              <a:buNone/>
+            </a:pPr>
+            <a:endParaRPr lang="en-US" dirty="0" smtClean="0">
+              <a:latin typeface="Consolas" panose="020B0609020204030204" pitchFamily="49" charset="0"/>
+            </a:endParaRPr>
+          </a:p>
+          <a:p>
+            <a:pPr marL="0" indent="0">
+              <a:buNone/>
+            </a:pPr>
+            <a:r>
+              <a:rPr lang="ru-RU" dirty="0" smtClean="0">
+                <a:latin typeface="Consolas" panose="020B0609020204030204" pitchFamily="49" charset="0"/>
+              </a:rPr>
+              <a:t>  </a:t>
+            </a:r>
+            <a:r>
+              <a:rPr lang="en-US" dirty="0" err="1" smtClean="0">
+                <a:solidFill>
+                  <a:schemeClr val="accent2"/>
+                </a:solidFill>
+                <a:latin typeface="Consolas" panose="020B0609020204030204" pitchFamily="49" charset="0"/>
+              </a:rPr>
+              <a:t>def</a:t>
+            </a:r>
+            <a:r>
+              <a:rPr lang="en-US" dirty="0" smtClean="0">
+                <a:solidFill>
+                  <a:schemeClr val="accent2"/>
+                </a:solidFill>
+                <a:latin typeface="Consolas" panose="020B0609020204030204" pitchFamily="49" charset="0"/>
+              </a:rPr>
+              <a:t> put(self, something):</a:t>
+            </a:r>
+          </a:p>
+          <a:p>
+            <a:pPr marL="0" indent="0">
+              <a:buNone/>
+            </a:pPr>
+            <a:r>
+              <a:rPr lang="en-US" dirty="0">
+                <a:solidFill>
+                  <a:schemeClr val="accent2"/>
+                </a:solidFill>
+                <a:latin typeface="Consolas" panose="020B0609020204030204" pitchFamily="49" charset="0"/>
+              </a:rPr>
+              <a:t> </a:t>
+            </a:r>
+            <a:r>
+              <a:rPr lang="en-US" dirty="0" smtClean="0">
+                <a:solidFill>
+                  <a:schemeClr val="accent2"/>
+                </a:solidFill>
+                <a:latin typeface="Consolas" panose="020B0609020204030204" pitchFamily="49" charset="0"/>
+              </a:rPr>
+              <a:t>   </a:t>
+            </a:r>
+            <a:r>
+              <a:rPr lang="en-US" dirty="0" err="1" smtClean="0">
+                <a:solidFill>
+                  <a:schemeClr val="accent2"/>
+                </a:solidFill>
+                <a:latin typeface="Consolas" panose="020B0609020204030204" pitchFamily="49" charset="0"/>
+              </a:rPr>
+              <a:t>self.content</a:t>
+            </a:r>
+            <a:r>
+              <a:rPr lang="en-US" dirty="0" smtClean="0">
+                <a:solidFill>
+                  <a:schemeClr val="accent2"/>
+                </a:solidFill>
+                <a:latin typeface="Consolas" panose="020B0609020204030204" pitchFamily="49" charset="0"/>
+              </a:rPr>
+              <a:t> = something</a:t>
+            </a:r>
+          </a:p>
+          <a:p>
+            <a:pPr marL="0" indent="0">
+              <a:buNone/>
+            </a:pPr>
+            <a:endParaRPr lang="en-US" dirty="0">
+              <a:solidFill>
+                <a:schemeClr val="accent2"/>
+              </a:solidFill>
+              <a:latin typeface="Consolas" panose="020B0609020204030204" pitchFamily="49" charset="0"/>
+            </a:endParaRPr>
+          </a:p>
+          <a:p>
+            <a:pPr marL="0" indent="0">
+              <a:buNone/>
+            </a:pPr>
+            <a:r>
+              <a:rPr lang="en-US" dirty="0" smtClean="0">
+                <a:latin typeface="Consolas" panose="020B0609020204030204" pitchFamily="49" charset="0"/>
+              </a:rPr>
+              <a:t>box = Box(20, 'black')</a:t>
+            </a:r>
+          </a:p>
+          <a:p>
+            <a:pPr marL="0" indent="0">
+              <a:buNone/>
+            </a:pPr>
+            <a:r>
+              <a:rPr lang="en-US" dirty="0" err="1" smtClean="0">
+                <a:latin typeface="Consolas" panose="020B0609020204030204" pitchFamily="49" charset="0"/>
+              </a:rPr>
+              <a:t>box.put</a:t>
+            </a:r>
+            <a:r>
+              <a:rPr lang="en-US" dirty="0" smtClean="0">
+                <a:latin typeface="Consolas" panose="020B0609020204030204" pitchFamily="49" charset="0"/>
+              </a:rPr>
+              <a:t>('present')</a:t>
+            </a:r>
+          </a:p>
+          <a:p>
+            <a:pPr marL="0" indent="0">
+              <a:buNone/>
+            </a:pPr>
+            <a:endParaRPr lang="en-US" dirty="0" smtClean="0">
+              <a:latin typeface="Consolas" panose="020B0609020204030204" pitchFamily="49" charset="0"/>
+            </a:endParaRPr>
+          </a:p>
+        </p:txBody>
+      </p:sp>
+    </p:spTree>
+    <p:extLst>
+      <p:ext uri="{BB962C8B-B14F-4D97-AF65-F5344CB8AC3E}">
+        <p14:creationId xmlns:p14="http://schemas.microsoft.com/office/powerpoint/2010/main" val="2954305664"/>
+      </p:ext>
+    </p:extLst>
+  </p:cSld>
+  <p:clrMapOvr>
+    <a:masterClrMapping/>
+  </p:clrMapOvr>
+  <p:timing>
+    <p:tnLst>
+      <p:par>
+        <p:cTn id="1" dur="indefinite" restart="never" nodeType="tmRoot"/>
+      </p:par>
+    </p:tnLst>
   </p:timing>
 </p:sld>
 </file>
@@ -13042,9 +11857,12 @@
 </file>
 
 <file path=customXml/item1.xml><?xml version="1.0" encoding="utf-8"?>
-<p:properties xmlns:p="http://schemas.microsoft.com/office/2006/metadata/properties" xmlns:xsi="http://www.w3.org/2001/XMLSchema-instance" xmlns:pc="http://schemas.microsoft.com/office/infopath/2007/PartnerControls">
-  <documentManagement/>
-</p:properties>
+<?mso-contentType ?>
+<FormTemplates xmlns="http://schemas.microsoft.com/sharepoint/v3/contenttype/forms">
+  <Display>DocumentLibraryForm</Display>
+  <Edit>DocumentLibraryForm</Edit>
+  <New>DocumentLibraryForm</New>
+</FormTemplates>
 </file>
 
 <file path=customXml/item2.xml><?xml version="1.0" encoding="utf-8"?>
@@ -13192,26 +12010,15 @@
 </file>
 
 <file path=customXml/item3.xml><?xml version="1.0" encoding="utf-8"?>
-<?mso-contentType ?>
-<FormTemplates xmlns="http://schemas.microsoft.com/sharepoint/v3/contenttype/forms">
-  <Display>DocumentLibraryForm</Display>
-  <Edit>DocumentLibraryForm</Edit>
-  <New>DocumentLibraryForm</New>
-</FormTemplates>
+<p:properties xmlns:p="http://schemas.microsoft.com/office/2006/metadata/properties" xmlns:xsi="http://www.w3.org/2001/XMLSchema-instance" xmlns:pc="http://schemas.microsoft.com/office/infopath/2007/PartnerControls">
+  <documentManagement/>
+</p:properties>
 </file>
 
 <file path=customXml/itemProps1.xml><?xml version="1.0" encoding="utf-8"?>
-<ds:datastoreItem xmlns:ds="http://schemas.openxmlformats.org/officeDocument/2006/customXml" ds:itemID="{C2AD1C3F-2D59-484F-A9CD-A1FE403906F6}">
+<ds:datastoreItem xmlns:ds="http://schemas.openxmlformats.org/officeDocument/2006/customXml" ds:itemID="{4EB755E9-87B2-4582-9EA2-5AB147E9C549}">
   <ds:schemaRefs>
-    <ds:schemaRef ds:uri="http://www.w3.org/XML/1998/namespace"/>
-    <ds:schemaRef ds:uri="http://schemas.microsoft.com/office/2006/documentManagement/types"/>
-    <ds:schemaRef ds:uri="http://purl.org/dc/elements/1.1/"/>
-    <ds:schemaRef ds:uri="http://schemas.openxmlformats.org/package/2006/metadata/core-properties"/>
-    <ds:schemaRef ds:uri="http://schemas.microsoft.com/office/2006/metadata/properties"/>
-    <ds:schemaRef ds:uri="http://purl.org/dc/terms/"/>
-    <ds:schemaRef ds:uri="3344343f-a5f0-456c-af59-3f91e5f2cd12"/>
-    <ds:schemaRef ds:uri="http://schemas.microsoft.com/office/infopath/2007/PartnerControls"/>
-    <ds:schemaRef ds:uri="http://purl.org/dc/dcmitype/"/>
+    <ds:schemaRef ds:uri="http://schemas.microsoft.com/sharepoint/v3/contenttype/forms"/>
   </ds:schemaRefs>
 </ds:datastoreItem>
 </file>
@@ -13235,9 +12042,17 @@
 </file>
 
 <file path=customXml/itemProps3.xml><?xml version="1.0" encoding="utf-8"?>
-<ds:datastoreItem xmlns:ds="http://schemas.openxmlformats.org/officeDocument/2006/customXml" ds:itemID="{4EB755E9-87B2-4582-9EA2-5AB147E9C549}">
+<ds:datastoreItem xmlns:ds="http://schemas.openxmlformats.org/officeDocument/2006/customXml" ds:itemID="{C2AD1C3F-2D59-484F-A9CD-A1FE403906F6}">
   <ds:schemaRefs>
-    <ds:schemaRef ds:uri="http://schemas.microsoft.com/sharepoint/v3/contenttype/forms"/>
+    <ds:schemaRef ds:uri="http://www.w3.org/XML/1998/namespace"/>
+    <ds:schemaRef ds:uri="http://schemas.microsoft.com/office/2006/documentManagement/types"/>
+    <ds:schemaRef ds:uri="http://purl.org/dc/elements/1.1/"/>
+    <ds:schemaRef ds:uri="http://schemas.openxmlformats.org/package/2006/metadata/core-properties"/>
+    <ds:schemaRef ds:uri="http://schemas.microsoft.com/office/2006/metadata/properties"/>
+    <ds:schemaRef ds:uri="http://purl.org/dc/terms/"/>
+    <ds:schemaRef ds:uri="3344343f-a5f0-456c-af59-3f91e5f2cd12"/>
+    <ds:schemaRef ds:uri="http://schemas.microsoft.com/office/infopath/2007/PartnerControls"/>
+    <ds:schemaRef ds:uri="http://purl.org/dc/dcmitype/"/>
   </ds:schemaRefs>
 </ds:datastoreItem>
 </file>